--- a/dat_dim_ana/phase_tensor_ellipses/Presentation1.pptx
+++ b/dat_dim_ana/phase_tensor_ellipses/Presentation1.pptx
@@ -1,19 +1,19 @@
 
 <file path=ppt/presentation.xml><?xml version="1.0" encoding="utf-8"?>
-<p:presentation xmlns:a="http://schemas.openxmlformats.org/drawingml/2006/main" xmlns:r="http://schemas.openxmlformats.org/officeDocument/2006/relationships" xmlns:p="http://schemas.openxmlformats.org/presentationml/2006/main" saveSubsetFonts="1">
+<p:presentation xmlns:a="http://schemas.openxmlformats.org/drawingml/2006/main" xmlns:r="http://schemas.openxmlformats.org/officeDocument/2006/relationships" xmlns:p="http://schemas.openxmlformats.org/presentationml/2006/main" saveSubsetFonts="1" autoCompressPictures="0">
   <p:sldMasterIdLst>
-    <p:sldMasterId id="2147483648" r:id="rId1"/>
+    <p:sldMasterId id="2147483672" r:id="rId1"/>
   </p:sldMasterIdLst>
   <p:sldIdLst>
     <p:sldId id="256" r:id="rId2"/>
   </p:sldIdLst>
-  <p:sldSz cx="6858000" cy="12192000"/>
+  <p:sldSz cx="6858000" cy="9144000" type="screen4x3"/>
   <p:notesSz cx="6858000" cy="9144000"/>
   <p:defaultTextStyle>
     <a:defPPr>
       <a:defRPr lang="en-US"/>
     </a:defPPr>
-    <a:lvl1pPr marL="0" algn="l" defTabSz="914400" rtl="0" eaLnBrk="1" latinLnBrk="0" hangingPunct="1">
+    <a:lvl1pPr marL="0" algn="l" defTabSz="457200" rtl="0" eaLnBrk="1" latinLnBrk="0" hangingPunct="1">
       <a:defRPr sz="1800" kern="1200">
         <a:solidFill>
           <a:schemeClr val="tx1"/>
@@ -23,7 +23,7 @@
         <a:cs typeface="+mn-cs"/>
       </a:defRPr>
     </a:lvl1pPr>
-    <a:lvl2pPr marL="457200" algn="l" defTabSz="914400" rtl="0" eaLnBrk="1" latinLnBrk="0" hangingPunct="1">
+    <a:lvl2pPr marL="457200" algn="l" defTabSz="457200" rtl="0" eaLnBrk="1" latinLnBrk="0" hangingPunct="1">
       <a:defRPr sz="1800" kern="1200">
         <a:solidFill>
           <a:schemeClr val="tx1"/>
@@ -33,7 +33,7 @@
         <a:cs typeface="+mn-cs"/>
       </a:defRPr>
     </a:lvl2pPr>
-    <a:lvl3pPr marL="914400" algn="l" defTabSz="914400" rtl="0" eaLnBrk="1" latinLnBrk="0" hangingPunct="1">
+    <a:lvl3pPr marL="914400" algn="l" defTabSz="457200" rtl="0" eaLnBrk="1" latinLnBrk="0" hangingPunct="1">
       <a:defRPr sz="1800" kern="1200">
         <a:solidFill>
           <a:schemeClr val="tx1"/>
@@ -43,7 +43,7 @@
         <a:cs typeface="+mn-cs"/>
       </a:defRPr>
     </a:lvl3pPr>
-    <a:lvl4pPr marL="1371600" algn="l" defTabSz="914400" rtl="0" eaLnBrk="1" latinLnBrk="0" hangingPunct="1">
+    <a:lvl4pPr marL="1371600" algn="l" defTabSz="457200" rtl="0" eaLnBrk="1" latinLnBrk="0" hangingPunct="1">
       <a:defRPr sz="1800" kern="1200">
         <a:solidFill>
           <a:schemeClr val="tx1"/>
@@ -53,7 +53,7 @@
         <a:cs typeface="+mn-cs"/>
       </a:defRPr>
     </a:lvl4pPr>
-    <a:lvl5pPr marL="1828800" algn="l" defTabSz="914400" rtl="0" eaLnBrk="1" latinLnBrk="0" hangingPunct="1">
+    <a:lvl5pPr marL="1828800" algn="l" defTabSz="457200" rtl="0" eaLnBrk="1" latinLnBrk="0" hangingPunct="1">
       <a:defRPr sz="1800" kern="1200">
         <a:solidFill>
           <a:schemeClr val="tx1"/>
@@ -63,7 +63,7 @@
         <a:cs typeface="+mn-cs"/>
       </a:defRPr>
     </a:lvl5pPr>
-    <a:lvl6pPr marL="2286000" algn="l" defTabSz="914400" rtl="0" eaLnBrk="1" latinLnBrk="0" hangingPunct="1">
+    <a:lvl6pPr marL="2286000" algn="l" defTabSz="457200" rtl="0" eaLnBrk="1" latinLnBrk="0" hangingPunct="1">
       <a:defRPr sz="1800" kern="1200">
         <a:solidFill>
           <a:schemeClr val="tx1"/>
@@ -73,7 +73,7 @@
         <a:cs typeface="+mn-cs"/>
       </a:defRPr>
     </a:lvl6pPr>
-    <a:lvl7pPr marL="2743200" algn="l" defTabSz="914400" rtl="0" eaLnBrk="1" latinLnBrk="0" hangingPunct="1">
+    <a:lvl7pPr marL="2743200" algn="l" defTabSz="457200" rtl="0" eaLnBrk="1" latinLnBrk="0" hangingPunct="1">
       <a:defRPr sz="1800" kern="1200">
         <a:solidFill>
           <a:schemeClr val="tx1"/>
@@ -83,7 +83,7 @@
         <a:cs typeface="+mn-cs"/>
       </a:defRPr>
     </a:lvl7pPr>
-    <a:lvl8pPr marL="3200400" algn="l" defTabSz="914400" rtl="0" eaLnBrk="1" latinLnBrk="0" hangingPunct="1">
+    <a:lvl8pPr marL="3200400" algn="l" defTabSz="457200" rtl="0" eaLnBrk="1" latinLnBrk="0" hangingPunct="1">
       <a:defRPr sz="1800" kern="1200">
         <a:solidFill>
           <a:schemeClr val="tx1"/>
@@ -93,7 +93,7 @@
         <a:cs typeface="+mn-cs"/>
       </a:defRPr>
     </a:lvl8pPr>
-    <a:lvl9pPr marL="3657600" algn="l" defTabSz="914400" rtl="0" eaLnBrk="1" latinLnBrk="0" hangingPunct="1">
+    <a:lvl9pPr marL="3657600" algn="l" defTabSz="457200" rtl="0" eaLnBrk="1" latinLnBrk="0" hangingPunct="1">
       <a:defRPr sz="1800" kern="1200">
         <a:solidFill>
           <a:schemeClr val="tx1"/>
@@ -141,23 +141,23 @@
         </p:nvSpPr>
         <p:spPr>
           <a:xfrm>
-            <a:off x="857250" y="1995312"/>
-            <a:ext cx="5143500" cy="4244622"/>
+            <a:off x="514350" y="1496484"/>
+            <a:ext cx="5829300" cy="3183467"/>
           </a:xfrm>
         </p:spPr>
         <p:txBody>
           <a:bodyPr anchor="b"/>
           <a:lstStyle>
             <a:lvl1pPr algn="ctr">
-              <a:defRPr sz="10668"/>
+              <a:defRPr sz="4500"/>
             </a:lvl1pPr>
           </a:lstStyle>
           <a:p>
             <a:r>
-              <a:rPr lang="en-US" smtClean="0"/>
+              <a:rPr lang="en-GB"/>
               <a:t>Click to edit Master title style</a:t>
             </a:r>
-            <a:endParaRPr lang="en-NZ"/>
+            <a:endParaRPr lang="en-US" dirty="0"/>
           </a:p>
         </p:txBody>
       </p:sp>
@@ -173,8 +173,8 @@
         </p:nvSpPr>
         <p:spPr>
           <a:xfrm>
-            <a:off x="857250" y="6403625"/>
-            <a:ext cx="5143500" cy="2943577"/>
+            <a:off x="857250" y="4802717"/>
+            <a:ext cx="5143500" cy="2207683"/>
           </a:xfrm>
         </p:spPr>
         <p:txBody>
@@ -182,70 +182,70 @@
           <a:lstStyle>
             <a:lvl1pPr marL="0" indent="0" algn="ctr">
               <a:buNone/>
-              <a:defRPr sz="4267"/>
+              <a:defRPr sz="1800"/>
             </a:lvl1pPr>
-            <a:lvl2pPr marL="812868" indent="0" algn="ctr">
-              <a:buNone/>
-              <a:defRPr sz="3556"/>
+            <a:lvl2pPr marL="342900" indent="0" algn="ctr">
+              <a:buNone/>
+              <a:defRPr sz="1500"/>
             </a:lvl2pPr>
-            <a:lvl3pPr marL="1625737" indent="0" algn="ctr">
-              <a:buNone/>
-              <a:defRPr sz="3200"/>
+            <a:lvl3pPr marL="685800" indent="0" algn="ctr">
+              <a:buNone/>
+              <a:defRPr sz="1350"/>
             </a:lvl3pPr>
-            <a:lvl4pPr marL="2438605" indent="0" algn="ctr">
-              <a:buNone/>
-              <a:defRPr sz="2844"/>
+            <a:lvl4pPr marL="1028700" indent="0" algn="ctr">
+              <a:buNone/>
+              <a:defRPr sz="1200"/>
             </a:lvl4pPr>
-            <a:lvl5pPr marL="3251474" indent="0" algn="ctr">
-              <a:buNone/>
-              <a:defRPr sz="2844"/>
+            <a:lvl5pPr marL="1371600" indent="0" algn="ctr">
+              <a:buNone/>
+              <a:defRPr sz="1200"/>
             </a:lvl5pPr>
-            <a:lvl6pPr marL="4064342" indent="0" algn="ctr">
-              <a:buNone/>
-              <a:defRPr sz="2844"/>
+            <a:lvl6pPr marL="1714500" indent="0" algn="ctr">
+              <a:buNone/>
+              <a:defRPr sz="1200"/>
             </a:lvl6pPr>
-            <a:lvl7pPr marL="4877211" indent="0" algn="ctr">
-              <a:buNone/>
-              <a:defRPr sz="2844"/>
+            <a:lvl7pPr marL="2057400" indent="0" algn="ctr">
+              <a:buNone/>
+              <a:defRPr sz="1200"/>
             </a:lvl7pPr>
-            <a:lvl8pPr marL="5690079" indent="0" algn="ctr">
-              <a:buNone/>
-              <a:defRPr sz="2844"/>
+            <a:lvl8pPr marL="2400300" indent="0" algn="ctr">
+              <a:buNone/>
+              <a:defRPr sz="1200"/>
             </a:lvl8pPr>
-            <a:lvl9pPr marL="6502948" indent="0" algn="ctr">
-              <a:buNone/>
-              <a:defRPr sz="2844"/>
+            <a:lvl9pPr marL="2743200" indent="0" algn="ctr">
+              <a:buNone/>
+              <a:defRPr sz="1200"/>
             </a:lvl9pPr>
           </a:lstStyle>
           <a:p>
             <a:r>
+              <a:rPr lang="en-GB"/>
+              <a:t>Click to edit Master subtitle style</a:t>
+            </a:r>
+            <a:endParaRPr lang="en-US" dirty="0"/>
+          </a:p>
+        </p:txBody>
+      </p:sp>
+      <p:sp>
+        <p:nvSpPr>
+          <p:cNvPr id="4" name="Date Placeholder 3"/>
+          <p:cNvSpPr>
+            <a:spLocks noGrp="1"/>
+          </p:cNvSpPr>
+          <p:nvPr>
+            <p:ph type="dt" sz="half" idx="10"/>
+          </p:nvPr>
+        </p:nvSpPr>
+        <p:spPr/>
+        <p:txBody>
+          <a:bodyPr/>
+          <a:lstStyle/>
+          <a:p>
+            <a:fld id="{F7BE2267-429B-0A43-A99F-21C8CD1D07F5}" type="datetimeFigureOut">
               <a:rPr lang="en-US" smtClean="0"/>
-              <a:t>Click to edit Master subtitle style</a:t>
-            </a:r>
-            <a:endParaRPr lang="en-NZ"/>
-          </a:p>
-        </p:txBody>
-      </p:sp>
-      <p:sp>
-        <p:nvSpPr>
-          <p:cNvPr id="4" name="Date Placeholder 3"/>
-          <p:cNvSpPr>
-            <a:spLocks noGrp="1"/>
-          </p:cNvSpPr>
-          <p:nvPr>
-            <p:ph type="dt" sz="half" idx="10"/>
-          </p:nvPr>
-        </p:nvSpPr>
-        <p:spPr/>
-        <p:txBody>
-          <a:bodyPr/>
-          <a:lstStyle/>
-          <a:p>
-            <a:fld id="{F82F713A-5EB9-4B7A-B87D-F2B7940161AF}" type="datetimeFigureOut">
-              <a:rPr lang="en-NZ" smtClean="0"/>
-              <a:t>3/11/2020</a:t>
+              <a:t>11/4/20</a:t>
             </a:fld>
-            <a:endParaRPr lang="en-NZ"/>
+            <a:endParaRPr lang="en-US"/>
           </a:p>
         </p:txBody>
       </p:sp>
@@ -264,7 +264,7 @@
           <a:bodyPr/>
           <a:lstStyle/>
           <a:p>
-            <a:endParaRPr lang="en-NZ"/>
+            <a:endParaRPr lang="en-US"/>
           </a:p>
         </p:txBody>
       </p:sp>
@@ -283,18 +283,18 @@
           <a:bodyPr/>
           <a:lstStyle/>
           <a:p>
-            <a:fld id="{BF18C196-3ABE-43C0-9E5E-32D62974A7DC}" type="slidenum">
-              <a:rPr lang="en-NZ" smtClean="0"/>
+            <a:fld id="{11554FD2-8CE4-DF48-92ED-5F5BE3C98032}" type="slidenum">
+              <a:rPr lang="en-US" smtClean="0"/>
               <a:t>‹#›</a:t>
             </a:fld>
-            <a:endParaRPr lang="en-NZ"/>
+            <a:endParaRPr lang="en-US"/>
           </a:p>
         </p:txBody>
       </p:sp>
     </p:spTree>
     <p:extLst>
       <p:ext uri="{BB962C8B-B14F-4D97-AF65-F5344CB8AC3E}">
-        <p14:creationId xmlns:p14="http://schemas.microsoft.com/office/powerpoint/2010/main" val="2628892801"/>
+        <p14:creationId xmlns:p14="http://schemas.microsoft.com/office/powerpoint/2010/main" val="2422373418"/>
       </p:ext>
     </p:extLst>
   </p:cSld>
@@ -337,134 +337,134 @@
           <a:lstStyle/>
           <a:p>
             <a:r>
+              <a:rPr lang="en-GB"/>
+              <a:t>Click to edit Master title style</a:t>
+            </a:r>
+            <a:endParaRPr lang="en-US" dirty="0"/>
+          </a:p>
+        </p:txBody>
+      </p:sp>
+      <p:sp>
+        <p:nvSpPr>
+          <p:cNvPr id="3" name="Vertical Text Placeholder 2"/>
+          <p:cNvSpPr>
+            <a:spLocks noGrp="1"/>
+          </p:cNvSpPr>
+          <p:nvPr>
+            <p:ph type="body" orient="vert" idx="1"/>
+          </p:nvPr>
+        </p:nvSpPr>
+        <p:spPr/>
+        <p:txBody>
+          <a:bodyPr vert="eaVert"/>
+          <a:lstStyle/>
+          <a:p>
+            <a:pPr lvl="0"/>
+            <a:r>
+              <a:rPr lang="en-GB"/>
+              <a:t>Click to edit Master text styles</a:t>
+            </a:r>
+          </a:p>
+          <a:p>
+            <a:pPr lvl="1"/>
+            <a:r>
+              <a:rPr lang="en-GB"/>
+              <a:t>Second level</a:t>
+            </a:r>
+          </a:p>
+          <a:p>
+            <a:pPr lvl="2"/>
+            <a:r>
+              <a:rPr lang="en-GB"/>
+              <a:t>Third level</a:t>
+            </a:r>
+          </a:p>
+          <a:p>
+            <a:pPr lvl="3"/>
+            <a:r>
+              <a:rPr lang="en-GB"/>
+              <a:t>Fourth level</a:t>
+            </a:r>
+          </a:p>
+          <a:p>
+            <a:pPr lvl="4"/>
+            <a:r>
+              <a:rPr lang="en-GB"/>
+              <a:t>Fifth level</a:t>
+            </a:r>
+            <a:endParaRPr lang="en-US" dirty="0"/>
+          </a:p>
+        </p:txBody>
+      </p:sp>
+      <p:sp>
+        <p:nvSpPr>
+          <p:cNvPr id="4" name="Date Placeholder 3"/>
+          <p:cNvSpPr>
+            <a:spLocks noGrp="1"/>
+          </p:cNvSpPr>
+          <p:nvPr>
+            <p:ph type="dt" sz="half" idx="10"/>
+          </p:nvPr>
+        </p:nvSpPr>
+        <p:spPr/>
+        <p:txBody>
+          <a:bodyPr/>
+          <a:lstStyle/>
+          <a:p>
+            <a:fld id="{F7BE2267-429B-0A43-A99F-21C8CD1D07F5}" type="datetimeFigureOut">
               <a:rPr lang="en-US" smtClean="0"/>
-              <a:t>Click to edit Master title style</a:t>
-            </a:r>
-            <a:endParaRPr lang="en-NZ"/>
-          </a:p>
-        </p:txBody>
-      </p:sp>
-      <p:sp>
-        <p:nvSpPr>
-          <p:cNvPr id="3" name="Vertical Text Placeholder 2"/>
-          <p:cNvSpPr>
-            <a:spLocks noGrp="1"/>
-          </p:cNvSpPr>
-          <p:nvPr>
-            <p:ph type="body" orient="vert" idx="1"/>
-          </p:nvPr>
-        </p:nvSpPr>
-        <p:spPr/>
-        <p:txBody>
-          <a:bodyPr vert="eaVert"/>
-          <a:lstStyle/>
-          <a:p>
-            <a:pPr lvl="0"/>
-            <a:r>
+              <a:t>11/4/20</a:t>
+            </a:fld>
+            <a:endParaRPr lang="en-US"/>
+          </a:p>
+        </p:txBody>
+      </p:sp>
+      <p:sp>
+        <p:nvSpPr>
+          <p:cNvPr id="5" name="Footer Placeholder 4"/>
+          <p:cNvSpPr>
+            <a:spLocks noGrp="1"/>
+          </p:cNvSpPr>
+          <p:nvPr>
+            <p:ph type="ftr" sz="quarter" idx="11"/>
+          </p:nvPr>
+        </p:nvSpPr>
+        <p:spPr/>
+        <p:txBody>
+          <a:bodyPr/>
+          <a:lstStyle/>
+          <a:p>
+            <a:endParaRPr lang="en-US"/>
+          </a:p>
+        </p:txBody>
+      </p:sp>
+      <p:sp>
+        <p:nvSpPr>
+          <p:cNvPr id="6" name="Slide Number Placeholder 5"/>
+          <p:cNvSpPr>
+            <a:spLocks noGrp="1"/>
+          </p:cNvSpPr>
+          <p:nvPr>
+            <p:ph type="sldNum" sz="quarter" idx="12"/>
+          </p:nvPr>
+        </p:nvSpPr>
+        <p:spPr/>
+        <p:txBody>
+          <a:bodyPr/>
+          <a:lstStyle/>
+          <a:p>
+            <a:fld id="{11554FD2-8CE4-DF48-92ED-5F5BE3C98032}" type="slidenum">
               <a:rPr lang="en-US" smtClean="0"/>
-              <a:t>Edit Master text styles</a:t>
-            </a:r>
-          </a:p>
-          <a:p>
-            <a:pPr lvl="1"/>
-            <a:r>
-              <a:rPr lang="en-US" smtClean="0"/>
-              <a:t>Second level</a:t>
-            </a:r>
-          </a:p>
-          <a:p>
-            <a:pPr lvl="2"/>
-            <a:r>
-              <a:rPr lang="en-US" smtClean="0"/>
-              <a:t>Third level</a:t>
-            </a:r>
-          </a:p>
-          <a:p>
-            <a:pPr lvl="3"/>
-            <a:r>
-              <a:rPr lang="en-US" smtClean="0"/>
-              <a:t>Fourth level</a:t>
-            </a:r>
-          </a:p>
-          <a:p>
-            <a:pPr lvl="4"/>
-            <a:r>
-              <a:rPr lang="en-US" smtClean="0"/>
-              <a:t>Fifth level</a:t>
-            </a:r>
-            <a:endParaRPr lang="en-NZ"/>
-          </a:p>
-        </p:txBody>
-      </p:sp>
-      <p:sp>
-        <p:nvSpPr>
-          <p:cNvPr id="4" name="Date Placeholder 3"/>
-          <p:cNvSpPr>
-            <a:spLocks noGrp="1"/>
-          </p:cNvSpPr>
-          <p:nvPr>
-            <p:ph type="dt" sz="half" idx="10"/>
-          </p:nvPr>
-        </p:nvSpPr>
-        <p:spPr/>
-        <p:txBody>
-          <a:bodyPr/>
-          <a:lstStyle/>
-          <a:p>
-            <a:fld id="{F82F713A-5EB9-4B7A-B87D-F2B7940161AF}" type="datetimeFigureOut">
-              <a:rPr lang="en-NZ" smtClean="0"/>
-              <a:t>3/11/2020</a:t>
-            </a:fld>
-            <a:endParaRPr lang="en-NZ"/>
-          </a:p>
-        </p:txBody>
-      </p:sp>
-      <p:sp>
-        <p:nvSpPr>
-          <p:cNvPr id="5" name="Footer Placeholder 4"/>
-          <p:cNvSpPr>
-            <a:spLocks noGrp="1"/>
-          </p:cNvSpPr>
-          <p:nvPr>
-            <p:ph type="ftr" sz="quarter" idx="11"/>
-          </p:nvPr>
-        </p:nvSpPr>
-        <p:spPr/>
-        <p:txBody>
-          <a:bodyPr/>
-          <a:lstStyle/>
-          <a:p>
-            <a:endParaRPr lang="en-NZ"/>
-          </a:p>
-        </p:txBody>
-      </p:sp>
-      <p:sp>
-        <p:nvSpPr>
-          <p:cNvPr id="6" name="Slide Number Placeholder 5"/>
-          <p:cNvSpPr>
-            <a:spLocks noGrp="1"/>
-          </p:cNvSpPr>
-          <p:nvPr>
-            <p:ph type="sldNum" sz="quarter" idx="12"/>
-          </p:nvPr>
-        </p:nvSpPr>
-        <p:spPr/>
-        <p:txBody>
-          <a:bodyPr/>
-          <a:lstStyle/>
-          <a:p>
-            <a:fld id="{BF18C196-3ABE-43C0-9E5E-32D62974A7DC}" type="slidenum">
-              <a:rPr lang="en-NZ" smtClean="0"/>
               <a:t>‹#›</a:t>
             </a:fld>
-            <a:endParaRPr lang="en-NZ"/>
+            <a:endParaRPr lang="en-US"/>
           </a:p>
         </p:txBody>
       </p:sp>
     </p:spTree>
     <p:extLst>
       <p:ext uri="{BB962C8B-B14F-4D97-AF65-F5344CB8AC3E}">
-        <p14:creationId xmlns:p14="http://schemas.microsoft.com/office/powerpoint/2010/main" val="2349964513"/>
+        <p14:creationId xmlns:p14="http://schemas.microsoft.com/office/powerpoint/2010/main" val="974588694"/>
       </p:ext>
     </p:extLst>
   </p:cSld>
@@ -503,8 +503,8 @@
         </p:nvSpPr>
         <p:spPr>
           <a:xfrm>
-            <a:off x="4907756" y="649111"/>
-            <a:ext cx="1478756" cy="10332156"/>
+            <a:off x="4907757" y="486834"/>
+            <a:ext cx="1478756" cy="7749117"/>
           </a:xfrm>
         </p:spPr>
         <p:txBody>
@@ -512,10 +512,10 @@
           <a:lstStyle/>
           <a:p>
             <a:r>
-              <a:rPr lang="en-US" smtClean="0"/>
+              <a:rPr lang="en-GB"/>
               <a:t>Click to edit Master title style</a:t>
             </a:r>
-            <a:endParaRPr lang="en-NZ"/>
+            <a:endParaRPr lang="en-US" dirty="0"/>
           </a:p>
         </p:txBody>
       </p:sp>
@@ -531,8 +531,8 @@
         </p:nvSpPr>
         <p:spPr>
           <a:xfrm>
-            <a:off x="471487" y="649111"/>
-            <a:ext cx="4350544" cy="10332156"/>
+            <a:off x="471488" y="486834"/>
+            <a:ext cx="4350544" cy="7749117"/>
           </a:xfrm>
         </p:spPr>
         <p:txBody>
@@ -541,110 +541,110 @@
           <a:p>
             <a:pPr lvl="0"/>
             <a:r>
+              <a:rPr lang="en-GB"/>
+              <a:t>Click to edit Master text styles</a:t>
+            </a:r>
+          </a:p>
+          <a:p>
+            <a:pPr lvl="1"/>
+            <a:r>
+              <a:rPr lang="en-GB"/>
+              <a:t>Second level</a:t>
+            </a:r>
+          </a:p>
+          <a:p>
+            <a:pPr lvl="2"/>
+            <a:r>
+              <a:rPr lang="en-GB"/>
+              <a:t>Third level</a:t>
+            </a:r>
+          </a:p>
+          <a:p>
+            <a:pPr lvl="3"/>
+            <a:r>
+              <a:rPr lang="en-GB"/>
+              <a:t>Fourth level</a:t>
+            </a:r>
+          </a:p>
+          <a:p>
+            <a:pPr lvl="4"/>
+            <a:r>
+              <a:rPr lang="en-GB"/>
+              <a:t>Fifth level</a:t>
+            </a:r>
+            <a:endParaRPr lang="en-US" dirty="0"/>
+          </a:p>
+        </p:txBody>
+      </p:sp>
+      <p:sp>
+        <p:nvSpPr>
+          <p:cNvPr id="4" name="Date Placeholder 3"/>
+          <p:cNvSpPr>
+            <a:spLocks noGrp="1"/>
+          </p:cNvSpPr>
+          <p:nvPr>
+            <p:ph type="dt" sz="half" idx="10"/>
+          </p:nvPr>
+        </p:nvSpPr>
+        <p:spPr/>
+        <p:txBody>
+          <a:bodyPr/>
+          <a:lstStyle/>
+          <a:p>
+            <a:fld id="{F7BE2267-429B-0A43-A99F-21C8CD1D07F5}" type="datetimeFigureOut">
               <a:rPr lang="en-US" smtClean="0"/>
-              <a:t>Edit Master text styles</a:t>
-            </a:r>
-          </a:p>
-          <a:p>
-            <a:pPr lvl="1"/>
-            <a:r>
+              <a:t>11/4/20</a:t>
+            </a:fld>
+            <a:endParaRPr lang="en-US"/>
+          </a:p>
+        </p:txBody>
+      </p:sp>
+      <p:sp>
+        <p:nvSpPr>
+          <p:cNvPr id="5" name="Footer Placeholder 4"/>
+          <p:cNvSpPr>
+            <a:spLocks noGrp="1"/>
+          </p:cNvSpPr>
+          <p:nvPr>
+            <p:ph type="ftr" sz="quarter" idx="11"/>
+          </p:nvPr>
+        </p:nvSpPr>
+        <p:spPr/>
+        <p:txBody>
+          <a:bodyPr/>
+          <a:lstStyle/>
+          <a:p>
+            <a:endParaRPr lang="en-US"/>
+          </a:p>
+        </p:txBody>
+      </p:sp>
+      <p:sp>
+        <p:nvSpPr>
+          <p:cNvPr id="6" name="Slide Number Placeholder 5"/>
+          <p:cNvSpPr>
+            <a:spLocks noGrp="1"/>
+          </p:cNvSpPr>
+          <p:nvPr>
+            <p:ph type="sldNum" sz="quarter" idx="12"/>
+          </p:nvPr>
+        </p:nvSpPr>
+        <p:spPr/>
+        <p:txBody>
+          <a:bodyPr/>
+          <a:lstStyle/>
+          <a:p>
+            <a:fld id="{11554FD2-8CE4-DF48-92ED-5F5BE3C98032}" type="slidenum">
               <a:rPr lang="en-US" smtClean="0"/>
-              <a:t>Second level</a:t>
-            </a:r>
-          </a:p>
-          <a:p>
-            <a:pPr lvl="2"/>
-            <a:r>
-              <a:rPr lang="en-US" smtClean="0"/>
-              <a:t>Third level</a:t>
-            </a:r>
-          </a:p>
-          <a:p>
-            <a:pPr lvl="3"/>
-            <a:r>
-              <a:rPr lang="en-US" smtClean="0"/>
-              <a:t>Fourth level</a:t>
-            </a:r>
-          </a:p>
-          <a:p>
-            <a:pPr lvl="4"/>
-            <a:r>
-              <a:rPr lang="en-US" smtClean="0"/>
-              <a:t>Fifth level</a:t>
-            </a:r>
-            <a:endParaRPr lang="en-NZ"/>
-          </a:p>
-        </p:txBody>
-      </p:sp>
-      <p:sp>
-        <p:nvSpPr>
-          <p:cNvPr id="4" name="Date Placeholder 3"/>
-          <p:cNvSpPr>
-            <a:spLocks noGrp="1"/>
-          </p:cNvSpPr>
-          <p:nvPr>
-            <p:ph type="dt" sz="half" idx="10"/>
-          </p:nvPr>
-        </p:nvSpPr>
-        <p:spPr/>
-        <p:txBody>
-          <a:bodyPr/>
-          <a:lstStyle/>
-          <a:p>
-            <a:fld id="{F82F713A-5EB9-4B7A-B87D-F2B7940161AF}" type="datetimeFigureOut">
-              <a:rPr lang="en-NZ" smtClean="0"/>
-              <a:t>3/11/2020</a:t>
-            </a:fld>
-            <a:endParaRPr lang="en-NZ"/>
-          </a:p>
-        </p:txBody>
-      </p:sp>
-      <p:sp>
-        <p:nvSpPr>
-          <p:cNvPr id="5" name="Footer Placeholder 4"/>
-          <p:cNvSpPr>
-            <a:spLocks noGrp="1"/>
-          </p:cNvSpPr>
-          <p:nvPr>
-            <p:ph type="ftr" sz="quarter" idx="11"/>
-          </p:nvPr>
-        </p:nvSpPr>
-        <p:spPr/>
-        <p:txBody>
-          <a:bodyPr/>
-          <a:lstStyle/>
-          <a:p>
-            <a:endParaRPr lang="en-NZ"/>
-          </a:p>
-        </p:txBody>
-      </p:sp>
-      <p:sp>
-        <p:nvSpPr>
-          <p:cNvPr id="6" name="Slide Number Placeholder 5"/>
-          <p:cNvSpPr>
-            <a:spLocks noGrp="1"/>
-          </p:cNvSpPr>
-          <p:nvPr>
-            <p:ph type="sldNum" sz="quarter" idx="12"/>
-          </p:nvPr>
-        </p:nvSpPr>
-        <p:spPr/>
-        <p:txBody>
-          <a:bodyPr/>
-          <a:lstStyle/>
-          <a:p>
-            <a:fld id="{BF18C196-3ABE-43C0-9E5E-32D62974A7DC}" type="slidenum">
-              <a:rPr lang="en-NZ" smtClean="0"/>
               <a:t>‹#›</a:t>
             </a:fld>
-            <a:endParaRPr lang="en-NZ"/>
+            <a:endParaRPr lang="en-US"/>
           </a:p>
         </p:txBody>
       </p:sp>
     </p:spTree>
     <p:extLst>
       <p:ext uri="{BB962C8B-B14F-4D97-AF65-F5344CB8AC3E}">
-        <p14:creationId xmlns:p14="http://schemas.microsoft.com/office/powerpoint/2010/main" val="3098668811"/>
+        <p14:creationId xmlns:p14="http://schemas.microsoft.com/office/powerpoint/2010/main" val="1556576397"/>
       </p:ext>
     </p:extLst>
   </p:cSld>
@@ -687,134 +687,134 @@
           <a:lstStyle/>
           <a:p>
             <a:r>
+              <a:rPr lang="en-GB"/>
+              <a:t>Click to edit Master title style</a:t>
+            </a:r>
+            <a:endParaRPr lang="en-US" dirty="0"/>
+          </a:p>
+        </p:txBody>
+      </p:sp>
+      <p:sp>
+        <p:nvSpPr>
+          <p:cNvPr id="3" name="Content Placeholder 2"/>
+          <p:cNvSpPr>
+            <a:spLocks noGrp="1"/>
+          </p:cNvSpPr>
+          <p:nvPr>
+            <p:ph idx="1"/>
+          </p:nvPr>
+        </p:nvSpPr>
+        <p:spPr/>
+        <p:txBody>
+          <a:bodyPr/>
+          <a:lstStyle/>
+          <a:p>
+            <a:pPr lvl="0"/>
+            <a:r>
+              <a:rPr lang="en-GB"/>
+              <a:t>Click to edit Master text styles</a:t>
+            </a:r>
+          </a:p>
+          <a:p>
+            <a:pPr lvl="1"/>
+            <a:r>
+              <a:rPr lang="en-GB"/>
+              <a:t>Second level</a:t>
+            </a:r>
+          </a:p>
+          <a:p>
+            <a:pPr lvl="2"/>
+            <a:r>
+              <a:rPr lang="en-GB"/>
+              <a:t>Third level</a:t>
+            </a:r>
+          </a:p>
+          <a:p>
+            <a:pPr lvl="3"/>
+            <a:r>
+              <a:rPr lang="en-GB"/>
+              <a:t>Fourth level</a:t>
+            </a:r>
+          </a:p>
+          <a:p>
+            <a:pPr lvl="4"/>
+            <a:r>
+              <a:rPr lang="en-GB"/>
+              <a:t>Fifth level</a:t>
+            </a:r>
+            <a:endParaRPr lang="en-US" dirty="0"/>
+          </a:p>
+        </p:txBody>
+      </p:sp>
+      <p:sp>
+        <p:nvSpPr>
+          <p:cNvPr id="4" name="Date Placeholder 3"/>
+          <p:cNvSpPr>
+            <a:spLocks noGrp="1"/>
+          </p:cNvSpPr>
+          <p:nvPr>
+            <p:ph type="dt" sz="half" idx="10"/>
+          </p:nvPr>
+        </p:nvSpPr>
+        <p:spPr/>
+        <p:txBody>
+          <a:bodyPr/>
+          <a:lstStyle/>
+          <a:p>
+            <a:fld id="{F7BE2267-429B-0A43-A99F-21C8CD1D07F5}" type="datetimeFigureOut">
               <a:rPr lang="en-US" smtClean="0"/>
-              <a:t>Click to edit Master title style</a:t>
-            </a:r>
-            <a:endParaRPr lang="en-NZ"/>
-          </a:p>
-        </p:txBody>
-      </p:sp>
-      <p:sp>
-        <p:nvSpPr>
-          <p:cNvPr id="3" name="Content Placeholder 2"/>
-          <p:cNvSpPr>
-            <a:spLocks noGrp="1"/>
-          </p:cNvSpPr>
-          <p:nvPr>
-            <p:ph idx="1"/>
-          </p:nvPr>
-        </p:nvSpPr>
-        <p:spPr/>
-        <p:txBody>
-          <a:bodyPr/>
-          <a:lstStyle/>
-          <a:p>
-            <a:pPr lvl="0"/>
-            <a:r>
+              <a:t>11/4/20</a:t>
+            </a:fld>
+            <a:endParaRPr lang="en-US"/>
+          </a:p>
+        </p:txBody>
+      </p:sp>
+      <p:sp>
+        <p:nvSpPr>
+          <p:cNvPr id="5" name="Footer Placeholder 4"/>
+          <p:cNvSpPr>
+            <a:spLocks noGrp="1"/>
+          </p:cNvSpPr>
+          <p:nvPr>
+            <p:ph type="ftr" sz="quarter" idx="11"/>
+          </p:nvPr>
+        </p:nvSpPr>
+        <p:spPr/>
+        <p:txBody>
+          <a:bodyPr/>
+          <a:lstStyle/>
+          <a:p>
+            <a:endParaRPr lang="en-US"/>
+          </a:p>
+        </p:txBody>
+      </p:sp>
+      <p:sp>
+        <p:nvSpPr>
+          <p:cNvPr id="6" name="Slide Number Placeholder 5"/>
+          <p:cNvSpPr>
+            <a:spLocks noGrp="1"/>
+          </p:cNvSpPr>
+          <p:nvPr>
+            <p:ph type="sldNum" sz="quarter" idx="12"/>
+          </p:nvPr>
+        </p:nvSpPr>
+        <p:spPr/>
+        <p:txBody>
+          <a:bodyPr/>
+          <a:lstStyle/>
+          <a:p>
+            <a:fld id="{11554FD2-8CE4-DF48-92ED-5F5BE3C98032}" type="slidenum">
               <a:rPr lang="en-US" smtClean="0"/>
-              <a:t>Edit Master text styles</a:t>
-            </a:r>
-          </a:p>
-          <a:p>
-            <a:pPr lvl="1"/>
-            <a:r>
-              <a:rPr lang="en-US" smtClean="0"/>
-              <a:t>Second level</a:t>
-            </a:r>
-          </a:p>
-          <a:p>
-            <a:pPr lvl="2"/>
-            <a:r>
-              <a:rPr lang="en-US" smtClean="0"/>
-              <a:t>Third level</a:t>
-            </a:r>
-          </a:p>
-          <a:p>
-            <a:pPr lvl="3"/>
-            <a:r>
-              <a:rPr lang="en-US" smtClean="0"/>
-              <a:t>Fourth level</a:t>
-            </a:r>
-          </a:p>
-          <a:p>
-            <a:pPr lvl="4"/>
-            <a:r>
-              <a:rPr lang="en-US" smtClean="0"/>
-              <a:t>Fifth level</a:t>
-            </a:r>
-            <a:endParaRPr lang="en-NZ"/>
-          </a:p>
-        </p:txBody>
-      </p:sp>
-      <p:sp>
-        <p:nvSpPr>
-          <p:cNvPr id="4" name="Date Placeholder 3"/>
-          <p:cNvSpPr>
-            <a:spLocks noGrp="1"/>
-          </p:cNvSpPr>
-          <p:nvPr>
-            <p:ph type="dt" sz="half" idx="10"/>
-          </p:nvPr>
-        </p:nvSpPr>
-        <p:spPr/>
-        <p:txBody>
-          <a:bodyPr/>
-          <a:lstStyle/>
-          <a:p>
-            <a:fld id="{F82F713A-5EB9-4B7A-B87D-F2B7940161AF}" type="datetimeFigureOut">
-              <a:rPr lang="en-NZ" smtClean="0"/>
-              <a:t>3/11/2020</a:t>
-            </a:fld>
-            <a:endParaRPr lang="en-NZ"/>
-          </a:p>
-        </p:txBody>
-      </p:sp>
-      <p:sp>
-        <p:nvSpPr>
-          <p:cNvPr id="5" name="Footer Placeholder 4"/>
-          <p:cNvSpPr>
-            <a:spLocks noGrp="1"/>
-          </p:cNvSpPr>
-          <p:nvPr>
-            <p:ph type="ftr" sz="quarter" idx="11"/>
-          </p:nvPr>
-        </p:nvSpPr>
-        <p:spPr/>
-        <p:txBody>
-          <a:bodyPr/>
-          <a:lstStyle/>
-          <a:p>
-            <a:endParaRPr lang="en-NZ"/>
-          </a:p>
-        </p:txBody>
-      </p:sp>
-      <p:sp>
-        <p:nvSpPr>
-          <p:cNvPr id="6" name="Slide Number Placeholder 5"/>
-          <p:cNvSpPr>
-            <a:spLocks noGrp="1"/>
-          </p:cNvSpPr>
-          <p:nvPr>
-            <p:ph type="sldNum" sz="quarter" idx="12"/>
-          </p:nvPr>
-        </p:nvSpPr>
-        <p:spPr/>
-        <p:txBody>
-          <a:bodyPr/>
-          <a:lstStyle/>
-          <a:p>
-            <a:fld id="{BF18C196-3ABE-43C0-9E5E-32D62974A7DC}" type="slidenum">
-              <a:rPr lang="en-NZ" smtClean="0"/>
               <a:t>‹#›</a:t>
             </a:fld>
-            <a:endParaRPr lang="en-NZ"/>
+            <a:endParaRPr lang="en-US"/>
           </a:p>
         </p:txBody>
       </p:sp>
     </p:spTree>
     <p:extLst>
       <p:ext uri="{BB962C8B-B14F-4D97-AF65-F5344CB8AC3E}">
-        <p14:creationId xmlns:p14="http://schemas.microsoft.com/office/powerpoint/2010/main" val="2997207363"/>
+        <p14:creationId xmlns:p14="http://schemas.microsoft.com/office/powerpoint/2010/main" val="298787690"/>
       </p:ext>
     </p:extLst>
   </p:cSld>
@@ -853,23 +853,23 @@
         </p:nvSpPr>
         <p:spPr>
           <a:xfrm>
-            <a:off x="467916" y="3039535"/>
-            <a:ext cx="5915025" cy="5071532"/>
+            <a:off x="467916" y="2279653"/>
+            <a:ext cx="5915025" cy="3803649"/>
           </a:xfrm>
         </p:spPr>
         <p:txBody>
           <a:bodyPr anchor="b"/>
           <a:lstStyle>
             <a:lvl1pPr>
-              <a:defRPr sz="10668"/>
+              <a:defRPr sz="4500"/>
             </a:lvl1pPr>
           </a:lstStyle>
           <a:p>
             <a:r>
-              <a:rPr lang="en-US" smtClean="0"/>
+              <a:rPr lang="en-GB"/>
               <a:t>Click to edit Master title style</a:t>
             </a:r>
-            <a:endParaRPr lang="en-NZ"/>
+            <a:endParaRPr lang="en-US" dirty="0"/>
           </a:p>
         </p:txBody>
       </p:sp>
@@ -885,8 +885,8 @@
         </p:nvSpPr>
         <p:spPr>
           <a:xfrm>
-            <a:off x="467916" y="8159048"/>
-            <a:ext cx="5915025" cy="2666999"/>
+            <a:off x="467916" y="6119286"/>
+            <a:ext cx="5915025" cy="2000249"/>
           </a:xfrm>
         </p:spPr>
         <p:txBody>
@@ -894,17 +894,15 @@
           <a:lstStyle>
             <a:lvl1pPr marL="0" indent="0">
               <a:buNone/>
-              <a:defRPr sz="4267">
+              <a:defRPr sz="1800">
                 <a:solidFill>
-                  <a:schemeClr val="tx1">
-                    <a:tint val="75000"/>
-                  </a:schemeClr>
+                  <a:schemeClr val="tx1"/>
                 </a:solidFill>
               </a:defRPr>
             </a:lvl1pPr>
-            <a:lvl2pPr marL="812868" indent="0">
-              <a:buNone/>
-              <a:defRPr sz="3556">
+            <a:lvl2pPr marL="342900" indent="0">
+              <a:buNone/>
+              <a:defRPr sz="1500">
                 <a:solidFill>
                   <a:schemeClr val="tx1">
                     <a:tint val="75000"/>
@@ -912,9 +910,9 @@
                 </a:solidFill>
               </a:defRPr>
             </a:lvl2pPr>
-            <a:lvl3pPr marL="1625737" indent="0">
-              <a:buNone/>
-              <a:defRPr sz="3200">
+            <a:lvl3pPr marL="685800" indent="0">
+              <a:buNone/>
+              <a:defRPr sz="1350">
                 <a:solidFill>
                   <a:schemeClr val="tx1">
                     <a:tint val="75000"/>
@@ -922,9 +920,9 @@
                 </a:solidFill>
               </a:defRPr>
             </a:lvl3pPr>
-            <a:lvl4pPr marL="2438605" indent="0">
-              <a:buNone/>
-              <a:defRPr sz="2844">
+            <a:lvl4pPr marL="1028700" indent="0">
+              <a:buNone/>
+              <a:defRPr sz="1200">
                 <a:solidFill>
                   <a:schemeClr val="tx1">
                     <a:tint val="75000"/>
@@ -932,9 +930,9 @@
                 </a:solidFill>
               </a:defRPr>
             </a:lvl4pPr>
-            <a:lvl5pPr marL="3251474" indent="0">
-              <a:buNone/>
-              <a:defRPr sz="2844">
+            <a:lvl5pPr marL="1371600" indent="0">
+              <a:buNone/>
+              <a:defRPr sz="1200">
                 <a:solidFill>
                   <a:schemeClr val="tx1">
                     <a:tint val="75000"/>
@@ -942,9 +940,9 @@
                 </a:solidFill>
               </a:defRPr>
             </a:lvl5pPr>
-            <a:lvl6pPr marL="4064342" indent="0">
-              <a:buNone/>
-              <a:defRPr sz="2844">
+            <a:lvl6pPr marL="1714500" indent="0">
+              <a:buNone/>
+              <a:defRPr sz="1200">
                 <a:solidFill>
                   <a:schemeClr val="tx1">
                     <a:tint val="75000"/>
@@ -952,9 +950,9 @@
                 </a:solidFill>
               </a:defRPr>
             </a:lvl6pPr>
-            <a:lvl7pPr marL="4877211" indent="0">
-              <a:buNone/>
-              <a:defRPr sz="2844">
+            <a:lvl7pPr marL="2057400" indent="0">
+              <a:buNone/>
+              <a:defRPr sz="1200">
                 <a:solidFill>
                   <a:schemeClr val="tx1">
                     <a:tint val="75000"/>
@@ -962,9 +960,9 @@
                 </a:solidFill>
               </a:defRPr>
             </a:lvl7pPr>
-            <a:lvl8pPr marL="5690079" indent="0">
-              <a:buNone/>
-              <a:defRPr sz="2844">
+            <a:lvl8pPr marL="2400300" indent="0">
+              <a:buNone/>
+              <a:defRPr sz="1200">
                 <a:solidFill>
                   <a:schemeClr val="tx1">
                     <a:tint val="75000"/>
@@ -972,9 +970,9 @@
                 </a:solidFill>
               </a:defRPr>
             </a:lvl8pPr>
-            <a:lvl9pPr marL="6502948" indent="0">
-              <a:buNone/>
-              <a:defRPr sz="2844">
+            <a:lvl9pPr marL="2743200" indent="0">
+              <a:buNone/>
+              <a:defRPr sz="1200">
                 <a:solidFill>
                   <a:schemeClr val="tx1">
                     <a:tint val="75000"/>
@@ -986,32 +984,32 @@
           <a:p>
             <a:pPr lvl="0"/>
             <a:r>
+              <a:rPr lang="en-GB"/>
+              <a:t>Click to edit Master text styles</a:t>
+            </a:r>
+          </a:p>
+        </p:txBody>
+      </p:sp>
+      <p:sp>
+        <p:nvSpPr>
+          <p:cNvPr id="4" name="Date Placeholder 3"/>
+          <p:cNvSpPr>
+            <a:spLocks noGrp="1"/>
+          </p:cNvSpPr>
+          <p:nvPr>
+            <p:ph type="dt" sz="half" idx="10"/>
+          </p:nvPr>
+        </p:nvSpPr>
+        <p:spPr/>
+        <p:txBody>
+          <a:bodyPr/>
+          <a:lstStyle/>
+          <a:p>
+            <a:fld id="{F7BE2267-429B-0A43-A99F-21C8CD1D07F5}" type="datetimeFigureOut">
               <a:rPr lang="en-US" smtClean="0"/>
-              <a:t>Edit Master text styles</a:t>
-            </a:r>
-          </a:p>
-        </p:txBody>
-      </p:sp>
-      <p:sp>
-        <p:nvSpPr>
-          <p:cNvPr id="4" name="Date Placeholder 3"/>
-          <p:cNvSpPr>
-            <a:spLocks noGrp="1"/>
-          </p:cNvSpPr>
-          <p:nvPr>
-            <p:ph type="dt" sz="half" idx="10"/>
-          </p:nvPr>
-        </p:nvSpPr>
-        <p:spPr/>
-        <p:txBody>
-          <a:bodyPr/>
-          <a:lstStyle/>
-          <a:p>
-            <a:fld id="{F82F713A-5EB9-4B7A-B87D-F2B7940161AF}" type="datetimeFigureOut">
-              <a:rPr lang="en-NZ" smtClean="0"/>
-              <a:t>3/11/2020</a:t>
+              <a:t>11/4/20</a:t>
             </a:fld>
-            <a:endParaRPr lang="en-NZ"/>
+            <a:endParaRPr lang="en-US"/>
           </a:p>
         </p:txBody>
       </p:sp>
@@ -1030,7 +1028,7 @@
           <a:bodyPr/>
           <a:lstStyle/>
           <a:p>
-            <a:endParaRPr lang="en-NZ"/>
+            <a:endParaRPr lang="en-US"/>
           </a:p>
         </p:txBody>
       </p:sp>
@@ -1049,18 +1047,18 @@
           <a:bodyPr/>
           <a:lstStyle/>
           <a:p>
-            <a:fld id="{BF18C196-3ABE-43C0-9E5E-32D62974A7DC}" type="slidenum">
-              <a:rPr lang="en-NZ" smtClean="0"/>
+            <a:fld id="{11554FD2-8CE4-DF48-92ED-5F5BE3C98032}" type="slidenum">
+              <a:rPr lang="en-US" smtClean="0"/>
               <a:t>‹#›</a:t>
             </a:fld>
-            <a:endParaRPr lang="en-NZ"/>
+            <a:endParaRPr lang="en-US"/>
           </a:p>
         </p:txBody>
       </p:sp>
     </p:spTree>
     <p:extLst>
       <p:ext uri="{BB962C8B-B14F-4D97-AF65-F5344CB8AC3E}">
-        <p14:creationId xmlns:p14="http://schemas.microsoft.com/office/powerpoint/2010/main" val="4290166140"/>
+        <p14:creationId xmlns:p14="http://schemas.microsoft.com/office/powerpoint/2010/main" val="671023903"/>
       </p:ext>
     </p:extLst>
   </p:cSld>
@@ -1103,10 +1101,10 @@
           <a:lstStyle/>
           <a:p>
             <a:r>
-              <a:rPr lang="en-US" smtClean="0"/>
+              <a:rPr lang="en-GB"/>
               <a:t>Click to edit Master title style</a:t>
             </a:r>
-            <a:endParaRPr lang="en-NZ"/>
+            <a:endParaRPr lang="en-US" dirty="0"/>
           </a:p>
         </p:txBody>
       </p:sp>
@@ -1122,8 +1120,8 @@
         </p:nvSpPr>
         <p:spPr>
           <a:xfrm>
-            <a:off x="471488" y="3245556"/>
-            <a:ext cx="2914650" cy="7735712"/>
+            <a:off x="471488" y="2434167"/>
+            <a:ext cx="2914650" cy="5801784"/>
           </a:xfrm>
         </p:spPr>
         <p:txBody>
@@ -1132,38 +1130,38 @@
           <a:p>
             <a:pPr lvl="0"/>
             <a:r>
-              <a:rPr lang="en-US" smtClean="0"/>
-              <a:t>Edit Master text styles</a:t>
+              <a:rPr lang="en-GB"/>
+              <a:t>Click to edit Master text styles</a:t>
             </a:r>
           </a:p>
           <a:p>
             <a:pPr lvl="1"/>
             <a:r>
-              <a:rPr lang="en-US" smtClean="0"/>
+              <a:rPr lang="en-GB"/>
               <a:t>Second level</a:t>
             </a:r>
           </a:p>
           <a:p>
             <a:pPr lvl="2"/>
             <a:r>
-              <a:rPr lang="en-US" smtClean="0"/>
+              <a:rPr lang="en-GB"/>
               <a:t>Third level</a:t>
             </a:r>
           </a:p>
           <a:p>
             <a:pPr lvl="3"/>
             <a:r>
-              <a:rPr lang="en-US" smtClean="0"/>
+              <a:rPr lang="en-GB"/>
               <a:t>Fourth level</a:t>
             </a:r>
           </a:p>
           <a:p>
             <a:pPr lvl="4"/>
             <a:r>
-              <a:rPr lang="en-US" smtClean="0"/>
+              <a:rPr lang="en-GB"/>
               <a:t>Fifth level</a:t>
             </a:r>
-            <a:endParaRPr lang="en-NZ"/>
+            <a:endParaRPr lang="en-US" dirty="0"/>
           </a:p>
         </p:txBody>
       </p:sp>
@@ -1179,8 +1177,8 @@
         </p:nvSpPr>
         <p:spPr>
           <a:xfrm>
-            <a:off x="3471863" y="3245556"/>
-            <a:ext cx="2914650" cy="7735712"/>
+            <a:off x="3471863" y="2434167"/>
+            <a:ext cx="2914650" cy="5801784"/>
           </a:xfrm>
         </p:spPr>
         <p:txBody>
@@ -1189,110 +1187,110 @@
           <a:p>
             <a:pPr lvl="0"/>
             <a:r>
+              <a:rPr lang="en-GB"/>
+              <a:t>Click to edit Master text styles</a:t>
+            </a:r>
+          </a:p>
+          <a:p>
+            <a:pPr lvl="1"/>
+            <a:r>
+              <a:rPr lang="en-GB"/>
+              <a:t>Second level</a:t>
+            </a:r>
+          </a:p>
+          <a:p>
+            <a:pPr lvl="2"/>
+            <a:r>
+              <a:rPr lang="en-GB"/>
+              <a:t>Third level</a:t>
+            </a:r>
+          </a:p>
+          <a:p>
+            <a:pPr lvl="3"/>
+            <a:r>
+              <a:rPr lang="en-GB"/>
+              <a:t>Fourth level</a:t>
+            </a:r>
+          </a:p>
+          <a:p>
+            <a:pPr lvl="4"/>
+            <a:r>
+              <a:rPr lang="en-GB"/>
+              <a:t>Fifth level</a:t>
+            </a:r>
+            <a:endParaRPr lang="en-US" dirty="0"/>
+          </a:p>
+        </p:txBody>
+      </p:sp>
+      <p:sp>
+        <p:nvSpPr>
+          <p:cNvPr id="5" name="Date Placeholder 4"/>
+          <p:cNvSpPr>
+            <a:spLocks noGrp="1"/>
+          </p:cNvSpPr>
+          <p:nvPr>
+            <p:ph type="dt" sz="half" idx="10"/>
+          </p:nvPr>
+        </p:nvSpPr>
+        <p:spPr/>
+        <p:txBody>
+          <a:bodyPr/>
+          <a:lstStyle/>
+          <a:p>
+            <a:fld id="{F7BE2267-429B-0A43-A99F-21C8CD1D07F5}" type="datetimeFigureOut">
               <a:rPr lang="en-US" smtClean="0"/>
-              <a:t>Edit Master text styles</a:t>
-            </a:r>
-          </a:p>
-          <a:p>
-            <a:pPr lvl="1"/>
-            <a:r>
+              <a:t>11/4/20</a:t>
+            </a:fld>
+            <a:endParaRPr lang="en-US"/>
+          </a:p>
+        </p:txBody>
+      </p:sp>
+      <p:sp>
+        <p:nvSpPr>
+          <p:cNvPr id="6" name="Footer Placeholder 5"/>
+          <p:cNvSpPr>
+            <a:spLocks noGrp="1"/>
+          </p:cNvSpPr>
+          <p:nvPr>
+            <p:ph type="ftr" sz="quarter" idx="11"/>
+          </p:nvPr>
+        </p:nvSpPr>
+        <p:spPr/>
+        <p:txBody>
+          <a:bodyPr/>
+          <a:lstStyle/>
+          <a:p>
+            <a:endParaRPr lang="en-US"/>
+          </a:p>
+        </p:txBody>
+      </p:sp>
+      <p:sp>
+        <p:nvSpPr>
+          <p:cNvPr id="7" name="Slide Number Placeholder 6"/>
+          <p:cNvSpPr>
+            <a:spLocks noGrp="1"/>
+          </p:cNvSpPr>
+          <p:nvPr>
+            <p:ph type="sldNum" sz="quarter" idx="12"/>
+          </p:nvPr>
+        </p:nvSpPr>
+        <p:spPr/>
+        <p:txBody>
+          <a:bodyPr/>
+          <a:lstStyle/>
+          <a:p>
+            <a:fld id="{11554FD2-8CE4-DF48-92ED-5F5BE3C98032}" type="slidenum">
               <a:rPr lang="en-US" smtClean="0"/>
-              <a:t>Second level</a:t>
-            </a:r>
-          </a:p>
-          <a:p>
-            <a:pPr lvl="2"/>
-            <a:r>
-              <a:rPr lang="en-US" smtClean="0"/>
-              <a:t>Third level</a:t>
-            </a:r>
-          </a:p>
-          <a:p>
-            <a:pPr lvl="3"/>
-            <a:r>
-              <a:rPr lang="en-US" smtClean="0"/>
-              <a:t>Fourth level</a:t>
-            </a:r>
-          </a:p>
-          <a:p>
-            <a:pPr lvl="4"/>
-            <a:r>
-              <a:rPr lang="en-US" smtClean="0"/>
-              <a:t>Fifth level</a:t>
-            </a:r>
-            <a:endParaRPr lang="en-NZ"/>
-          </a:p>
-        </p:txBody>
-      </p:sp>
-      <p:sp>
-        <p:nvSpPr>
-          <p:cNvPr id="5" name="Date Placeholder 4"/>
-          <p:cNvSpPr>
-            <a:spLocks noGrp="1"/>
-          </p:cNvSpPr>
-          <p:nvPr>
-            <p:ph type="dt" sz="half" idx="10"/>
-          </p:nvPr>
-        </p:nvSpPr>
-        <p:spPr/>
-        <p:txBody>
-          <a:bodyPr/>
-          <a:lstStyle/>
-          <a:p>
-            <a:fld id="{F82F713A-5EB9-4B7A-B87D-F2B7940161AF}" type="datetimeFigureOut">
-              <a:rPr lang="en-NZ" smtClean="0"/>
-              <a:t>3/11/2020</a:t>
-            </a:fld>
-            <a:endParaRPr lang="en-NZ"/>
-          </a:p>
-        </p:txBody>
-      </p:sp>
-      <p:sp>
-        <p:nvSpPr>
-          <p:cNvPr id="6" name="Footer Placeholder 5"/>
-          <p:cNvSpPr>
-            <a:spLocks noGrp="1"/>
-          </p:cNvSpPr>
-          <p:nvPr>
-            <p:ph type="ftr" sz="quarter" idx="11"/>
-          </p:nvPr>
-        </p:nvSpPr>
-        <p:spPr/>
-        <p:txBody>
-          <a:bodyPr/>
-          <a:lstStyle/>
-          <a:p>
-            <a:endParaRPr lang="en-NZ"/>
-          </a:p>
-        </p:txBody>
-      </p:sp>
-      <p:sp>
-        <p:nvSpPr>
-          <p:cNvPr id="7" name="Slide Number Placeholder 6"/>
-          <p:cNvSpPr>
-            <a:spLocks noGrp="1"/>
-          </p:cNvSpPr>
-          <p:nvPr>
-            <p:ph type="sldNum" sz="quarter" idx="12"/>
-          </p:nvPr>
-        </p:nvSpPr>
-        <p:spPr/>
-        <p:txBody>
-          <a:bodyPr/>
-          <a:lstStyle/>
-          <a:p>
-            <a:fld id="{BF18C196-3ABE-43C0-9E5E-32D62974A7DC}" type="slidenum">
-              <a:rPr lang="en-NZ" smtClean="0"/>
               <a:t>‹#›</a:t>
             </a:fld>
-            <a:endParaRPr lang="en-NZ"/>
+            <a:endParaRPr lang="en-US"/>
           </a:p>
         </p:txBody>
       </p:sp>
     </p:spTree>
     <p:extLst>
       <p:ext uri="{BB962C8B-B14F-4D97-AF65-F5344CB8AC3E}">
-        <p14:creationId xmlns:p14="http://schemas.microsoft.com/office/powerpoint/2010/main" val="3332259076"/>
+        <p14:creationId xmlns:p14="http://schemas.microsoft.com/office/powerpoint/2010/main" val="3837084546"/>
       </p:ext>
     </p:extLst>
   </p:cSld>
@@ -1331,8 +1329,8 @@
         </p:nvSpPr>
         <p:spPr>
           <a:xfrm>
-            <a:off x="472381" y="649112"/>
-            <a:ext cx="5915025" cy="2356556"/>
+            <a:off x="472381" y="486836"/>
+            <a:ext cx="5915025" cy="1767417"/>
           </a:xfrm>
         </p:spPr>
         <p:txBody>
@@ -1340,10 +1338,10 @@
           <a:lstStyle/>
           <a:p>
             <a:r>
-              <a:rPr lang="en-US" smtClean="0"/>
+              <a:rPr lang="en-GB"/>
               <a:t>Click to edit Master title style</a:t>
             </a:r>
-            <a:endParaRPr lang="en-NZ"/>
+            <a:endParaRPr lang="en-US" dirty="0"/>
           </a:p>
         </p:txBody>
       </p:sp>
@@ -1359,8 +1357,8 @@
         </p:nvSpPr>
         <p:spPr>
           <a:xfrm>
-            <a:off x="472382" y="2988734"/>
-            <a:ext cx="2901255" cy="1464732"/>
+            <a:off x="472381" y="2241551"/>
+            <a:ext cx="2901255" cy="1098549"/>
           </a:xfrm>
         </p:spPr>
         <p:txBody>
@@ -1368,46 +1366,46 @@
           <a:lstStyle>
             <a:lvl1pPr marL="0" indent="0">
               <a:buNone/>
-              <a:defRPr sz="4267" b="1"/>
+              <a:defRPr sz="1800" b="1"/>
             </a:lvl1pPr>
-            <a:lvl2pPr marL="812868" indent="0">
-              <a:buNone/>
-              <a:defRPr sz="3556" b="1"/>
+            <a:lvl2pPr marL="342900" indent="0">
+              <a:buNone/>
+              <a:defRPr sz="1500" b="1"/>
             </a:lvl2pPr>
-            <a:lvl3pPr marL="1625737" indent="0">
-              <a:buNone/>
-              <a:defRPr sz="3200" b="1"/>
+            <a:lvl3pPr marL="685800" indent="0">
+              <a:buNone/>
+              <a:defRPr sz="1350" b="1"/>
             </a:lvl3pPr>
-            <a:lvl4pPr marL="2438605" indent="0">
-              <a:buNone/>
-              <a:defRPr sz="2844" b="1"/>
+            <a:lvl4pPr marL="1028700" indent="0">
+              <a:buNone/>
+              <a:defRPr sz="1200" b="1"/>
             </a:lvl4pPr>
-            <a:lvl5pPr marL="3251474" indent="0">
-              <a:buNone/>
-              <a:defRPr sz="2844" b="1"/>
+            <a:lvl5pPr marL="1371600" indent="0">
+              <a:buNone/>
+              <a:defRPr sz="1200" b="1"/>
             </a:lvl5pPr>
-            <a:lvl6pPr marL="4064342" indent="0">
-              <a:buNone/>
-              <a:defRPr sz="2844" b="1"/>
+            <a:lvl6pPr marL="1714500" indent="0">
+              <a:buNone/>
+              <a:defRPr sz="1200" b="1"/>
             </a:lvl6pPr>
-            <a:lvl7pPr marL="4877211" indent="0">
-              <a:buNone/>
-              <a:defRPr sz="2844" b="1"/>
+            <a:lvl7pPr marL="2057400" indent="0">
+              <a:buNone/>
+              <a:defRPr sz="1200" b="1"/>
             </a:lvl7pPr>
-            <a:lvl8pPr marL="5690079" indent="0">
-              <a:buNone/>
-              <a:defRPr sz="2844" b="1"/>
+            <a:lvl8pPr marL="2400300" indent="0">
+              <a:buNone/>
+              <a:defRPr sz="1200" b="1"/>
             </a:lvl8pPr>
-            <a:lvl9pPr marL="6502948" indent="0">
-              <a:buNone/>
-              <a:defRPr sz="2844" b="1"/>
+            <a:lvl9pPr marL="2743200" indent="0">
+              <a:buNone/>
+              <a:defRPr sz="1200" b="1"/>
             </a:lvl9pPr>
           </a:lstStyle>
           <a:p>
             <a:pPr lvl="0"/>
             <a:r>
-              <a:rPr lang="en-US" smtClean="0"/>
-              <a:t>Edit Master text styles</a:t>
+              <a:rPr lang="en-GB"/>
+              <a:t>Click to edit Master text styles</a:t>
             </a:r>
           </a:p>
         </p:txBody>
@@ -1424,8 +1422,8 @@
         </p:nvSpPr>
         <p:spPr>
           <a:xfrm>
-            <a:off x="472382" y="4453469"/>
-            <a:ext cx="2901255" cy="6550379"/>
+            <a:off x="472381" y="3340100"/>
+            <a:ext cx="2901255" cy="4912784"/>
           </a:xfrm>
         </p:spPr>
         <p:txBody>
@@ -1434,38 +1432,38 @@
           <a:p>
             <a:pPr lvl="0"/>
             <a:r>
-              <a:rPr lang="en-US" smtClean="0"/>
-              <a:t>Edit Master text styles</a:t>
+              <a:rPr lang="en-GB"/>
+              <a:t>Click to edit Master text styles</a:t>
             </a:r>
           </a:p>
           <a:p>
             <a:pPr lvl="1"/>
             <a:r>
-              <a:rPr lang="en-US" smtClean="0"/>
+              <a:rPr lang="en-GB"/>
               <a:t>Second level</a:t>
             </a:r>
           </a:p>
           <a:p>
             <a:pPr lvl="2"/>
             <a:r>
-              <a:rPr lang="en-US" smtClean="0"/>
+              <a:rPr lang="en-GB"/>
               <a:t>Third level</a:t>
             </a:r>
           </a:p>
           <a:p>
             <a:pPr lvl="3"/>
             <a:r>
-              <a:rPr lang="en-US" smtClean="0"/>
+              <a:rPr lang="en-GB"/>
               <a:t>Fourth level</a:t>
             </a:r>
           </a:p>
           <a:p>
             <a:pPr lvl="4"/>
             <a:r>
-              <a:rPr lang="en-US" smtClean="0"/>
+              <a:rPr lang="en-GB"/>
               <a:t>Fifth level</a:t>
             </a:r>
-            <a:endParaRPr lang="en-NZ"/>
+            <a:endParaRPr lang="en-US" dirty="0"/>
           </a:p>
         </p:txBody>
       </p:sp>
@@ -1481,8 +1479,8 @@
         </p:nvSpPr>
         <p:spPr>
           <a:xfrm>
-            <a:off x="3471864" y="2988734"/>
-            <a:ext cx="2915543" cy="1464732"/>
+            <a:off x="3471863" y="2241551"/>
+            <a:ext cx="2915543" cy="1098549"/>
           </a:xfrm>
         </p:spPr>
         <p:txBody>
@@ -1490,46 +1488,46 @@
           <a:lstStyle>
             <a:lvl1pPr marL="0" indent="0">
               <a:buNone/>
-              <a:defRPr sz="4267" b="1"/>
+              <a:defRPr sz="1800" b="1"/>
             </a:lvl1pPr>
-            <a:lvl2pPr marL="812868" indent="0">
-              <a:buNone/>
-              <a:defRPr sz="3556" b="1"/>
+            <a:lvl2pPr marL="342900" indent="0">
+              <a:buNone/>
+              <a:defRPr sz="1500" b="1"/>
             </a:lvl2pPr>
-            <a:lvl3pPr marL="1625737" indent="0">
-              <a:buNone/>
-              <a:defRPr sz="3200" b="1"/>
+            <a:lvl3pPr marL="685800" indent="0">
+              <a:buNone/>
+              <a:defRPr sz="1350" b="1"/>
             </a:lvl3pPr>
-            <a:lvl4pPr marL="2438605" indent="0">
-              <a:buNone/>
-              <a:defRPr sz="2844" b="1"/>
+            <a:lvl4pPr marL="1028700" indent="0">
+              <a:buNone/>
+              <a:defRPr sz="1200" b="1"/>
             </a:lvl4pPr>
-            <a:lvl5pPr marL="3251474" indent="0">
-              <a:buNone/>
-              <a:defRPr sz="2844" b="1"/>
+            <a:lvl5pPr marL="1371600" indent="0">
+              <a:buNone/>
+              <a:defRPr sz="1200" b="1"/>
             </a:lvl5pPr>
-            <a:lvl6pPr marL="4064342" indent="0">
-              <a:buNone/>
-              <a:defRPr sz="2844" b="1"/>
+            <a:lvl6pPr marL="1714500" indent="0">
+              <a:buNone/>
+              <a:defRPr sz="1200" b="1"/>
             </a:lvl6pPr>
-            <a:lvl7pPr marL="4877211" indent="0">
-              <a:buNone/>
-              <a:defRPr sz="2844" b="1"/>
+            <a:lvl7pPr marL="2057400" indent="0">
+              <a:buNone/>
+              <a:defRPr sz="1200" b="1"/>
             </a:lvl7pPr>
-            <a:lvl8pPr marL="5690079" indent="0">
-              <a:buNone/>
-              <a:defRPr sz="2844" b="1"/>
+            <a:lvl8pPr marL="2400300" indent="0">
+              <a:buNone/>
+              <a:defRPr sz="1200" b="1"/>
             </a:lvl8pPr>
-            <a:lvl9pPr marL="6502948" indent="0">
-              <a:buNone/>
-              <a:defRPr sz="2844" b="1"/>
+            <a:lvl9pPr marL="2743200" indent="0">
+              <a:buNone/>
+              <a:defRPr sz="1200" b="1"/>
             </a:lvl9pPr>
           </a:lstStyle>
           <a:p>
             <a:pPr lvl="0"/>
             <a:r>
-              <a:rPr lang="en-US" smtClean="0"/>
-              <a:t>Edit Master text styles</a:t>
+              <a:rPr lang="en-GB"/>
+              <a:t>Click to edit Master text styles</a:t>
             </a:r>
           </a:p>
         </p:txBody>
@@ -1546,8 +1544,8 @@
         </p:nvSpPr>
         <p:spPr>
           <a:xfrm>
-            <a:off x="3471864" y="4453469"/>
-            <a:ext cx="2915543" cy="6550379"/>
+            <a:off x="3471863" y="3340100"/>
+            <a:ext cx="2915543" cy="4912784"/>
           </a:xfrm>
         </p:spPr>
         <p:txBody>
@@ -1556,110 +1554,110 @@
           <a:p>
             <a:pPr lvl="0"/>
             <a:r>
+              <a:rPr lang="en-GB"/>
+              <a:t>Click to edit Master text styles</a:t>
+            </a:r>
+          </a:p>
+          <a:p>
+            <a:pPr lvl="1"/>
+            <a:r>
+              <a:rPr lang="en-GB"/>
+              <a:t>Second level</a:t>
+            </a:r>
+          </a:p>
+          <a:p>
+            <a:pPr lvl="2"/>
+            <a:r>
+              <a:rPr lang="en-GB"/>
+              <a:t>Third level</a:t>
+            </a:r>
+          </a:p>
+          <a:p>
+            <a:pPr lvl="3"/>
+            <a:r>
+              <a:rPr lang="en-GB"/>
+              <a:t>Fourth level</a:t>
+            </a:r>
+          </a:p>
+          <a:p>
+            <a:pPr lvl="4"/>
+            <a:r>
+              <a:rPr lang="en-GB"/>
+              <a:t>Fifth level</a:t>
+            </a:r>
+            <a:endParaRPr lang="en-US" dirty="0"/>
+          </a:p>
+        </p:txBody>
+      </p:sp>
+      <p:sp>
+        <p:nvSpPr>
+          <p:cNvPr id="7" name="Date Placeholder 6"/>
+          <p:cNvSpPr>
+            <a:spLocks noGrp="1"/>
+          </p:cNvSpPr>
+          <p:nvPr>
+            <p:ph type="dt" sz="half" idx="10"/>
+          </p:nvPr>
+        </p:nvSpPr>
+        <p:spPr/>
+        <p:txBody>
+          <a:bodyPr/>
+          <a:lstStyle/>
+          <a:p>
+            <a:fld id="{F7BE2267-429B-0A43-A99F-21C8CD1D07F5}" type="datetimeFigureOut">
               <a:rPr lang="en-US" smtClean="0"/>
-              <a:t>Edit Master text styles</a:t>
-            </a:r>
-          </a:p>
-          <a:p>
-            <a:pPr lvl="1"/>
-            <a:r>
+              <a:t>11/4/20</a:t>
+            </a:fld>
+            <a:endParaRPr lang="en-US"/>
+          </a:p>
+        </p:txBody>
+      </p:sp>
+      <p:sp>
+        <p:nvSpPr>
+          <p:cNvPr id="8" name="Footer Placeholder 7"/>
+          <p:cNvSpPr>
+            <a:spLocks noGrp="1"/>
+          </p:cNvSpPr>
+          <p:nvPr>
+            <p:ph type="ftr" sz="quarter" idx="11"/>
+          </p:nvPr>
+        </p:nvSpPr>
+        <p:spPr/>
+        <p:txBody>
+          <a:bodyPr/>
+          <a:lstStyle/>
+          <a:p>
+            <a:endParaRPr lang="en-US"/>
+          </a:p>
+        </p:txBody>
+      </p:sp>
+      <p:sp>
+        <p:nvSpPr>
+          <p:cNvPr id="9" name="Slide Number Placeholder 8"/>
+          <p:cNvSpPr>
+            <a:spLocks noGrp="1"/>
+          </p:cNvSpPr>
+          <p:nvPr>
+            <p:ph type="sldNum" sz="quarter" idx="12"/>
+          </p:nvPr>
+        </p:nvSpPr>
+        <p:spPr/>
+        <p:txBody>
+          <a:bodyPr/>
+          <a:lstStyle/>
+          <a:p>
+            <a:fld id="{11554FD2-8CE4-DF48-92ED-5F5BE3C98032}" type="slidenum">
               <a:rPr lang="en-US" smtClean="0"/>
-              <a:t>Second level</a:t>
-            </a:r>
-          </a:p>
-          <a:p>
-            <a:pPr lvl="2"/>
-            <a:r>
-              <a:rPr lang="en-US" smtClean="0"/>
-              <a:t>Third level</a:t>
-            </a:r>
-          </a:p>
-          <a:p>
-            <a:pPr lvl="3"/>
-            <a:r>
-              <a:rPr lang="en-US" smtClean="0"/>
-              <a:t>Fourth level</a:t>
-            </a:r>
-          </a:p>
-          <a:p>
-            <a:pPr lvl="4"/>
-            <a:r>
-              <a:rPr lang="en-US" smtClean="0"/>
-              <a:t>Fifth level</a:t>
-            </a:r>
-            <a:endParaRPr lang="en-NZ"/>
-          </a:p>
-        </p:txBody>
-      </p:sp>
-      <p:sp>
-        <p:nvSpPr>
-          <p:cNvPr id="7" name="Date Placeholder 6"/>
-          <p:cNvSpPr>
-            <a:spLocks noGrp="1"/>
-          </p:cNvSpPr>
-          <p:nvPr>
-            <p:ph type="dt" sz="half" idx="10"/>
-          </p:nvPr>
-        </p:nvSpPr>
-        <p:spPr/>
-        <p:txBody>
-          <a:bodyPr/>
-          <a:lstStyle/>
-          <a:p>
-            <a:fld id="{F82F713A-5EB9-4B7A-B87D-F2B7940161AF}" type="datetimeFigureOut">
-              <a:rPr lang="en-NZ" smtClean="0"/>
-              <a:t>3/11/2020</a:t>
-            </a:fld>
-            <a:endParaRPr lang="en-NZ"/>
-          </a:p>
-        </p:txBody>
-      </p:sp>
-      <p:sp>
-        <p:nvSpPr>
-          <p:cNvPr id="8" name="Footer Placeholder 7"/>
-          <p:cNvSpPr>
-            <a:spLocks noGrp="1"/>
-          </p:cNvSpPr>
-          <p:nvPr>
-            <p:ph type="ftr" sz="quarter" idx="11"/>
-          </p:nvPr>
-        </p:nvSpPr>
-        <p:spPr/>
-        <p:txBody>
-          <a:bodyPr/>
-          <a:lstStyle/>
-          <a:p>
-            <a:endParaRPr lang="en-NZ"/>
-          </a:p>
-        </p:txBody>
-      </p:sp>
-      <p:sp>
-        <p:nvSpPr>
-          <p:cNvPr id="9" name="Slide Number Placeholder 8"/>
-          <p:cNvSpPr>
-            <a:spLocks noGrp="1"/>
-          </p:cNvSpPr>
-          <p:nvPr>
-            <p:ph type="sldNum" sz="quarter" idx="12"/>
-          </p:nvPr>
-        </p:nvSpPr>
-        <p:spPr/>
-        <p:txBody>
-          <a:bodyPr/>
-          <a:lstStyle/>
-          <a:p>
-            <a:fld id="{BF18C196-3ABE-43C0-9E5E-32D62974A7DC}" type="slidenum">
-              <a:rPr lang="en-NZ" smtClean="0"/>
               <a:t>‹#›</a:t>
             </a:fld>
-            <a:endParaRPr lang="en-NZ"/>
+            <a:endParaRPr lang="en-US"/>
           </a:p>
         </p:txBody>
       </p:sp>
     </p:spTree>
     <p:extLst>
       <p:ext uri="{BB962C8B-B14F-4D97-AF65-F5344CB8AC3E}">
-        <p14:creationId xmlns:p14="http://schemas.microsoft.com/office/powerpoint/2010/main" val="2851512472"/>
+        <p14:creationId xmlns:p14="http://schemas.microsoft.com/office/powerpoint/2010/main" val="1954267442"/>
       </p:ext>
     </p:extLst>
   </p:cSld>
@@ -1702,33 +1700,33 @@
           <a:lstStyle/>
           <a:p>
             <a:r>
+              <a:rPr lang="en-GB"/>
+              <a:t>Click to edit Master title style</a:t>
+            </a:r>
+            <a:endParaRPr lang="en-US" dirty="0"/>
+          </a:p>
+        </p:txBody>
+      </p:sp>
+      <p:sp>
+        <p:nvSpPr>
+          <p:cNvPr id="3" name="Date Placeholder 2"/>
+          <p:cNvSpPr>
+            <a:spLocks noGrp="1"/>
+          </p:cNvSpPr>
+          <p:nvPr>
+            <p:ph type="dt" sz="half" idx="10"/>
+          </p:nvPr>
+        </p:nvSpPr>
+        <p:spPr/>
+        <p:txBody>
+          <a:bodyPr/>
+          <a:lstStyle/>
+          <a:p>
+            <a:fld id="{F7BE2267-429B-0A43-A99F-21C8CD1D07F5}" type="datetimeFigureOut">
               <a:rPr lang="en-US" smtClean="0"/>
-              <a:t>Click to edit Master title style</a:t>
-            </a:r>
-            <a:endParaRPr lang="en-NZ"/>
-          </a:p>
-        </p:txBody>
-      </p:sp>
-      <p:sp>
-        <p:nvSpPr>
-          <p:cNvPr id="3" name="Date Placeholder 2"/>
-          <p:cNvSpPr>
-            <a:spLocks noGrp="1"/>
-          </p:cNvSpPr>
-          <p:nvPr>
-            <p:ph type="dt" sz="half" idx="10"/>
-          </p:nvPr>
-        </p:nvSpPr>
-        <p:spPr/>
-        <p:txBody>
-          <a:bodyPr/>
-          <a:lstStyle/>
-          <a:p>
-            <a:fld id="{F82F713A-5EB9-4B7A-B87D-F2B7940161AF}" type="datetimeFigureOut">
-              <a:rPr lang="en-NZ" smtClean="0"/>
-              <a:t>3/11/2020</a:t>
+              <a:t>11/4/20</a:t>
             </a:fld>
-            <a:endParaRPr lang="en-NZ"/>
+            <a:endParaRPr lang="en-US"/>
           </a:p>
         </p:txBody>
       </p:sp>
@@ -1747,7 +1745,7 @@
           <a:bodyPr/>
           <a:lstStyle/>
           <a:p>
-            <a:endParaRPr lang="en-NZ"/>
+            <a:endParaRPr lang="en-US"/>
           </a:p>
         </p:txBody>
       </p:sp>
@@ -1766,18 +1764,18 @@
           <a:bodyPr/>
           <a:lstStyle/>
           <a:p>
-            <a:fld id="{BF18C196-3ABE-43C0-9E5E-32D62974A7DC}" type="slidenum">
-              <a:rPr lang="en-NZ" smtClean="0"/>
+            <a:fld id="{11554FD2-8CE4-DF48-92ED-5F5BE3C98032}" type="slidenum">
+              <a:rPr lang="en-US" smtClean="0"/>
               <a:t>‹#›</a:t>
             </a:fld>
-            <a:endParaRPr lang="en-NZ"/>
+            <a:endParaRPr lang="en-US"/>
           </a:p>
         </p:txBody>
       </p:sp>
     </p:spTree>
     <p:extLst>
       <p:ext uri="{BB962C8B-B14F-4D97-AF65-F5344CB8AC3E}">
-        <p14:creationId xmlns:p14="http://schemas.microsoft.com/office/powerpoint/2010/main" val="2043493479"/>
+        <p14:creationId xmlns:p14="http://schemas.microsoft.com/office/powerpoint/2010/main" val="125872895"/>
       </p:ext>
     </p:extLst>
   </p:cSld>
@@ -1819,11 +1817,11 @@
           <a:bodyPr/>
           <a:lstStyle/>
           <a:p>
-            <a:fld id="{F82F713A-5EB9-4B7A-B87D-F2B7940161AF}" type="datetimeFigureOut">
-              <a:rPr lang="en-NZ" smtClean="0"/>
-              <a:t>3/11/2020</a:t>
+            <a:fld id="{F7BE2267-429B-0A43-A99F-21C8CD1D07F5}" type="datetimeFigureOut">
+              <a:rPr lang="en-US" smtClean="0"/>
+              <a:t>11/4/20</a:t>
             </a:fld>
-            <a:endParaRPr lang="en-NZ"/>
+            <a:endParaRPr lang="en-US"/>
           </a:p>
         </p:txBody>
       </p:sp>
@@ -1842,7 +1840,7 @@
           <a:bodyPr/>
           <a:lstStyle/>
           <a:p>
-            <a:endParaRPr lang="en-NZ"/>
+            <a:endParaRPr lang="en-US"/>
           </a:p>
         </p:txBody>
       </p:sp>
@@ -1861,18 +1859,18 @@
           <a:bodyPr/>
           <a:lstStyle/>
           <a:p>
-            <a:fld id="{BF18C196-3ABE-43C0-9E5E-32D62974A7DC}" type="slidenum">
-              <a:rPr lang="en-NZ" smtClean="0"/>
+            <a:fld id="{11554FD2-8CE4-DF48-92ED-5F5BE3C98032}" type="slidenum">
+              <a:rPr lang="en-US" smtClean="0"/>
               <a:t>‹#›</a:t>
             </a:fld>
-            <a:endParaRPr lang="en-NZ"/>
+            <a:endParaRPr lang="en-US"/>
           </a:p>
         </p:txBody>
       </p:sp>
     </p:spTree>
     <p:extLst>
       <p:ext uri="{BB962C8B-B14F-4D97-AF65-F5344CB8AC3E}">
-        <p14:creationId xmlns:p14="http://schemas.microsoft.com/office/powerpoint/2010/main" val="535825740"/>
+        <p14:creationId xmlns:p14="http://schemas.microsoft.com/office/powerpoint/2010/main" val="2962655573"/>
       </p:ext>
     </p:extLst>
   </p:cSld>
@@ -1911,23 +1909,23 @@
         </p:nvSpPr>
         <p:spPr>
           <a:xfrm>
-            <a:off x="472381" y="812800"/>
-            <a:ext cx="2211883" cy="2844800"/>
+            <a:off x="472381" y="609600"/>
+            <a:ext cx="2211884" cy="2133600"/>
           </a:xfrm>
         </p:spPr>
         <p:txBody>
           <a:bodyPr anchor="b"/>
           <a:lstStyle>
             <a:lvl1pPr>
-              <a:defRPr sz="5689"/>
+              <a:defRPr sz="2400"/>
             </a:lvl1pPr>
           </a:lstStyle>
           <a:p>
             <a:r>
-              <a:rPr lang="en-US" smtClean="0"/>
+              <a:rPr lang="en-GB"/>
               <a:t>Click to edit Master title style</a:t>
             </a:r>
-            <a:endParaRPr lang="en-NZ"/>
+            <a:endParaRPr lang="en-US" dirty="0"/>
           </a:p>
         </p:txBody>
       </p:sp>
@@ -1943,76 +1941,76 @@
         </p:nvSpPr>
         <p:spPr>
           <a:xfrm>
-            <a:off x="2915544" y="1755423"/>
-            <a:ext cx="3471863" cy="8664222"/>
+            <a:off x="2915543" y="1316569"/>
+            <a:ext cx="3471863" cy="6498167"/>
           </a:xfrm>
         </p:spPr>
         <p:txBody>
           <a:bodyPr/>
           <a:lstStyle>
             <a:lvl1pPr>
-              <a:defRPr sz="5689"/>
+              <a:defRPr sz="2400"/>
             </a:lvl1pPr>
             <a:lvl2pPr>
-              <a:defRPr sz="4978"/>
+              <a:defRPr sz="2100"/>
             </a:lvl2pPr>
             <a:lvl3pPr>
-              <a:defRPr sz="4267"/>
+              <a:defRPr sz="1800"/>
             </a:lvl3pPr>
             <a:lvl4pPr>
-              <a:defRPr sz="3556"/>
+              <a:defRPr sz="1500"/>
             </a:lvl4pPr>
             <a:lvl5pPr>
-              <a:defRPr sz="3556"/>
+              <a:defRPr sz="1500"/>
             </a:lvl5pPr>
             <a:lvl6pPr>
-              <a:defRPr sz="3556"/>
+              <a:defRPr sz="1500"/>
             </a:lvl6pPr>
             <a:lvl7pPr>
-              <a:defRPr sz="3556"/>
+              <a:defRPr sz="1500"/>
             </a:lvl7pPr>
             <a:lvl8pPr>
-              <a:defRPr sz="3556"/>
+              <a:defRPr sz="1500"/>
             </a:lvl8pPr>
             <a:lvl9pPr>
-              <a:defRPr sz="3556"/>
+              <a:defRPr sz="1500"/>
             </a:lvl9pPr>
           </a:lstStyle>
           <a:p>
             <a:pPr lvl="0"/>
             <a:r>
-              <a:rPr lang="en-US" smtClean="0"/>
-              <a:t>Edit Master text styles</a:t>
+              <a:rPr lang="en-GB"/>
+              <a:t>Click to edit Master text styles</a:t>
             </a:r>
           </a:p>
           <a:p>
             <a:pPr lvl="1"/>
             <a:r>
-              <a:rPr lang="en-US" smtClean="0"/>
+              <a:rPr lang="en-GB"/>
               <a:t>Second level</a:t>
             </a:r>
           </a:p>
           <a:p>
             <a:pPr lvl="2"/>
             <a:r>
-              <a:rPr lang="en-US" smtClean="0"/>
+              <a:rPr lang="en-GB"/>
               <a:t>Third level</a:t>
             </a:r>
           </a:p>
           <a:p>
             <a:pPr lvl="3"/>
             <a:r>
-              <a:rPr lang="en-US" smtClean="0"/>
+              <a:rPr lang="en-GB"/>
               <a:t>Fourth level</a:t>
             </a:r>
           </a:p>
           <a:p>
             <a:pPr lvl="4"/>
             <a:r>
-              <a:rPr lang="en-US" smtClean="0"/>
+              <a:rPr lang="en-GB"/>
               <a:t>Fifth level</a:t>
             </a:r>
-            <a:endParaRPr lang="en-NZ"/>
+            <a:endParaRPr lang="en-US" dirty="0"/>
           </a:p>
         </p:txBody>
       </p:sp>
@@ -2028,8 +2026,8 @@
         </p:nvSpPr>
         <p:spPr>
           <a:xfrm>
-            <a:off x="472381" y="3657600"/>
-            <a:ext cx="2211883" cy="6776156"/>
+            <a:off x="472381" y="2743200"/>
+            <a:ext cx="2211884" cy="5082117"/>
           </a:xfrm>
         </p:spPr>
         <p:txBody>
@@ -2037,70 +2035,70 @@
           <a:lstStyle>
             <a:lvl1pPr marL="0" indent="0">
               <a:buNone/>
-              <a:defRPr sz="2844"/>
+              <a:defRPr sz="1200"/>
             </a:lvl1pPr>
-            <a:lvl2pPr marL="812868" indent="0">
-              <a:buNone/>
-              <a:defRPr sz="2489"/>
+            <a:lvl2pPr marL="342900" indent="0">
+              <a:buNone/>
+              <a:defRPr sz="1050"/>
             </a:lvl2pPr>
-            <a:lvl3pPr marL="1625737" indent="0">
-              <a:buNone/>
-              <a:defRPr sz="2133"/>
+            <a:lvl3pPr marL="685800" indent="0">
+              <a:buNone/>
+              <a:defRPr sz="900"/>
             </a:lvl3pPr>
-            <a:lvl4pPr marL="2438605" indent="0">
-              <a:buNone/>
-              <a:defRPr sz="1778"/>
+            <a:lvl4pPr marL="1028700" indent="0">
+              <a:buNone/>
+              <a:defRPr sz="750"/>
             </a:lvl4pPr>
-            <a:lvl5pPr marL="3251474" indent="0">
-              <a:buNone/>
-              <a:defRPr sz="1778"/>
+            <a:lvl5pPr marL="1371600" indent="0">
+              <a:buNone/>
+              <a:defRPr sz="750"/>
             </a:lvl5pPr>
-            <a:lvl6pPr marL="4064342" indent="0">
-              <a:buNone/>
-              <a:defRPr sz="1778"/>
+            <a:lvl6pPr marL="1714500" indent="0">
+              <a:buNone/>
+              <a:defRPr sz="750"/>
             </a:lvl6pPr>
-            <a:lvl7pPr marL="4877211" indent="0">
-              <a:buNone/>
-              <a:defRPr sz="1778"/>
+            <a:lvl7pPr marL="2057400" indent="0">
+              <a:buNone/>
+              <a:defRPr sz="750"/>
             </a:lvl7pPr>
-            <a:lvl8pPr marL="5690079" indent="0">
-              <a:buNone/>
-              <a:defRPr sz="1778"/>
+            <a:lvl8pPr marL="2400300" indent="0">
+              <a:buNone/>
+              <a:defRPr sz="750"/>
             </a:lvl8pPr>
-            <a:lvl9pPr marL="6502948" indent="0">
-              <a:buNone/>
-              <a:defRPr sz="1778"/>
+            <a:lvl9pPr marL="2743200" indent="0">
+              <a:buNone/>
+              <a:defRPr sz="750"/>
             </a:lvl9pPr>
           </a:lstStyle>
           <a:p>
             <a:pPr lvl="0"/>
             <a:r>
+              <a:rPr lang="en-GB"/>
+              <a:t>Click to edit Master text styles</a:t>
+            </a:r>
+          </a:p>
+        </p:txBody>
+      </p:sp>
+      <p:sp>
+        <p:nvSpPr>
+          <p:cNvPr id="5" name="Date Placeholder 4"/>
+          <p:cNvSpPr>
+            <a:spLocks noGrp="1"/>
+          </p:cNvSpPr>
+          <p:nvPr>
+            <p:ph type="dt" sz="half" idx="10"/>
+          </p:nvPr>
+        </p:nvSpPr>
+        <p:spPr/>
+        <p:txBody>
+          <a:bodyPr/>
+          <a:lstStyle/>
+          <a:p>
+            <a:fld id="{F7BE2267-429B-0A43-A99F-21C8CD1D07F5}" type="datetimeFigureOut">
               <a:rPr lang="en-US" smtClean="0"/>
-              <a:t>Edit Master text styles</a:t>
-            </a:r>
-          </a:p>
-        </p:txBody>
-      </p:sp>
-      <p:sp>
-        <p:nvSpPr>
-          <p:cNvPr id="5" name="Date Placeholder 4"/>
-          <p:cNvSpPr>
-            <a:spLocks noGrp="1"/>
-          </p:cNvSpPr>
-          <p:nvPr>
-            <p:ph type="dt" sz="half" idx="10"/>
-          </p:nvPr>
-        </p:nvSpPr>
-        <p:spPr/>
-        <p:txBody>
-          <a:bodyPr/>
-          <a:lstStyle/>
-          <a:p>
-            <a:fld id="{F82F713A-5EB9-4B7A-B87D-F2B7940161AF}" type="datetimeFigureOut">
-              <a:rPr lang="en-NZ" smtClean="0"/>
-              <a:t>3/11/2020</a:t>
+              <a:t>11/4/20</a:t>
             </a:fld>
-            <a:endParaRPr lang="en-NZ"/>
+            <a:endParaRPr lang="en-US"/>
           </a:p>
         </p:txBody>
       </p:sp>
@@ -2119,7 +2117,7 @@
           <a:bodyPr/>
           <a:lstStyle/>
           <a:p>
-            <a:endParaRPr lang="en-NZ"/>
+            <a:endParaRPr lang="en-US"/>
           </a:p>
         </p:txBody>
       </p:sp>
@@ -2138,18 +2136,18 @@
           <a:bodyPr/>
           <a:lstStyle/>
           <a:p>
-            <a:fld id="{BF18C196-3ABE-43C0-9E5E-32D62974A7DC}" type="slidenum">
-              <a:rPr lang="en-NZ" smtClean="0"/>
+            <a:fld id="{11554FD2-8CE4-DF48-92ED-5F5BE3C98032}" type="slidenum">
+              <a:rPr lang="en-US" smtClean="0"/>
               <a:t>‹#›</a:t>
             </a:fld>
-            <a:endParaRPr lang="en-NZ"/>
+            <a:endParaRPr lang="en-US"/>
           </a:p>
         </p:txBody>
       </p:sp>
     </p:spTree>
     <p:extLst>
       <p:ext uri="{BB962C8B-B14F-4D97-AF65-F5344CB8AC3E}">
-        <p14:creationId xmlns:p14="http://schemas.microsoft.com/office/powerpoint/2010/main" val="3144643758"/>
+        <p14:creationId xmlns:p14="http://schemas.microsoft.com/office/powerpoint/2010/main" val="2320483276"/>
       </p:ext>
     </p:extLst>
   </p:cSld>
@@ -2188,23 +2186,23 @@
         </p:nvSpPr>
         <p:spPr>
           <a:xfrm>
-            <a:off x="472381" y="812800"/>
-            <a:ext cx="2211883" cy="2844800"/>
+            <a:off x="472381" y="609600"/>
+            <a:ext cx="2211884" cy="2133600"/>
           </a:xfrm>
         </p:spPr>
         <p:txBody>
           <a:bodyPr anchor="b"/>
           <a:lstStyle>
             <a:lvl1pPr>
-              <a:defRPr sz="5689"/>
+              <a:defRPr sz="2400"/>
             </a:lvl1pPr>
           </a:lstStyle>
           <a:p>
             <a:r>
-              <a:rPr lang="en-US" smtClean="0"/>
+              <a:rPr lang="en-GB"/>
               <a:t>Click to edit Master title style</a:t>
             </a:r>
-            <a:endParaRPr lang="en-NZ"/>
+            <a:endParaRPr lang="en-US" dirty="0"/>
           </a:p>
         </p:txBody>
       </p:sp>
@@ -2212,7 +2210,7 @@
         <p:nvSpPr>
           <p:cNvPr id="3" name="Picture Placeholder 2"/>
           <p:cNvSpPr>
-            <a:spLocks noGrp="1"/>
+            <a:spLocks noGrp="1" noChangeAspect="1"/>
           </p:cNvSpPr>
           <p:nvPr>
             <p:ph type="pic" idx="1"/>
@@ -2220,56 +2218,56 @@
         </p:nvSpPr>
         <p:spPr>
           <a:xfrm>
-            <a:off x="2915544" y="1755423"/>
-            <a:ext cx="3471863" cy="8664222"/>
+            <a:off x="2915543" y="1316569"/>
+            <a:ext cx="3471863" cy="6498167"/>
           </a:xfrm>
         </p:spPr>
         <p:txBody>
-          <a:bodyPr/>
+          <a:bodyPr anchor="t"/>
           <a:lstStyle>
             <a:lvl1pPr marL="0" indent="0">
               <a:buNone/>
-              <a:defRPr sz="5689"/>
+              <a:defRPr sz="2400"/>
             </a:lvl1pPr>
-            <a:lvl2pPr marL="812868" indent="0">
-              <a:buNone/>
-              <a:defRPr sz="4978"/>
+            <a:lvl2pPr marL="342900" indent="0">
+              <a:buNone/>
+              <a:defRPr sz="2100"/>
             </a:lvl2pPr>
-            <a:lvl3pPr marL="1625737" indent="0">
-              <a:buNone/>
-              <a:defRPr sz="4267"/>
+            <a:lvl3pPr marL="685800" indent="0">
+              <a:buNone/>
+              <a:defRPr sz="1800"/>
             </a:lvl3pPr>
-            <a:lvl4pPr marL="2438605" indent="0">
-              <a:buNone/>
-              <a:defRPr sz="3556"/>
+            <a:lvl4pPr marL="1028700" indent="0">
+              <a:buNone/>
+              <a:defRPr sz="1500"/>
             </a:lvl4pPr>
-            <a:lvl5pPr marL="3251474" indent="0">
-              <a:buNone/>
-              <a:defRPr sz="3556"/>
+            <a:lvl5pPr marL="1371600" indent="0">
+              <a:buNone/>
+              <a:defRPr sz="1500"/>
             </a:lvl5pPr>
-            <a:lvl6pPr marL="4064342" indent="0">
-              <a:buNone/>
-              <a:defRPr sz="3556"/>
+            <a:lvl6pPr marL="1714500" indent="0">
+              <a:buNone/>
+              <a:defRPr sz="1500"/>
             </a:lvl6pPr>
-            <a:lvl7pPr marL="4877211" indent="0">
-              <a:buNone/>
-              <a:defRPr sz="3556"/>
+            <a:lvl7pPr marL="2057400" indent="0">
+              <a:buNone/>
+              <a:defRPr sz="1500"/>
             </a:lvl7pPr>
-            <a:lvl8pPr marL="5690079" indent="0">
-              <a:buNone/>
-              <a:defRPr sz="3556"/>
+            <a:lvl8pPr marL="2400300" indent="0">
+              <a:buNone/>
+              <a:defRPr sz="1500"/>
             </a:lvl8pPr>
-            <a:lvl9pPr marL="6502948" indent="0">
-              <a:buNone/>
-              <a:defRPr sz="3556"/>
+            <a:lvl9pPr marL="2743200" indent="0">
+              <a:buNone/>
+              <a:defRPr sz="1500"/>
             </a:lvl9pPr>
           </a:lstStyle>
           <a:p>
             <a:r>
-              <a:rPr lang="en-US" smtClean="0"/>
+              <a:rPr lang="en-GB"/>
               <a:t>Click icon to add picture</a:t>
             </a:r>
-            <a:endParaRPr lang="en-NZ"/>
+            <a:endParaRPr lang="en-US" dirty="0"/>
           </a:p>
         </p:txBody>
       </p:sp>
@@ -2285,8 +2283,8 @@
         </p:nvSpPr>
         <p:spPr>
           <a:xfrm>
-            <a:off x="472381" y="3657600"/>
-            <a:ext cx="2211883" cy="6776156"/>
+            <a:off x="472381" y="2743200"/>
+            <a:ext cx="2211884" cy="5082117"/>
           </a:xfrm>
         </p:spPr>
         <p:txBody>
@@ -2294,70 +2292,70 @@
           <a:lstStyle>
             <a:lvl1pPr marL="0" indent="0">
               <a:buNone/>
-              <a:defRPr sz="2844"/>
+              <a:defRPr sz="1200"/>
             </a:lvl1pPr>
-            <a:lvl2pPr marL="812868" indent="0">
-              <a:buNone/>
-              <a:defRPr sz="2489"/>
+            <a:lvl2pPr marL="342900" indent="0">
+              <a:buNone/>
+              <a:defRPr sz="1050"/>
             </a:lvl2pPr>
-            <a:lvl3pPr marL="1625737" indent="0">
-              <a:buNone/>
-              <a:defRPr sz="2133"/>
+            <a:lvl3pPr marL="685800" indent="0">
+              <a:buNone/>
+              <a:defRPr sz="900"/>
             </a:lvl3pPr>
-            <a:lvl4pPr marL="2438605" indent="0">
-              <a:buNone/>
-              <a:defRPr sz="1778"/>
+            <a:lvl4pPr marL="1028700" indent="0">
+              <a:buNone/>
+              <a:defRPr sz="750"/>
             </a:lvl4pPr>
-            <a:lvl5pPr marL="3251474" indent="0">
-              <a:buNone/>
-              <a:defRPr sz="1778"/>
+            <a:lvl5pPr marL="1371600" indent="0">
+              <a:buNone/>
+              <a:defRPr sz="750"/>
             </a:lvl5pPr>
-            <a:lvl6pPr marL="4064342" indent="0">
-              <a:buNone/>
-              <a:defRPr sz="1778"/>
+            <a:lvl6pPr marL="1714500" indent="0">
+              <a:buNone/>
+              <a:defRPr sz="750"/>
             </a:lvl6pPr>
-            <a:lvl7pPr marL="4877211" indent="0">
-              <a:buNone/>
-              <a:defRPr sz="1778"/>
+            <a:lvl7pPr marL="2057400" indent="0">
+              <a:buNone/>
+              <a:defRPr sz="750"/>
             </a:lvl7pPr>
-            <a:lvl8pPr marL="5690079" indent="0">
-              <a:buNone/>
-              <a:defRPr sz="1778"/>
+            <a:lvl8pPr marL="2400300" indent="0">
+              <a:buNone/>
+              <a:defRPr sz="750"/>
             </a:lvl8pPr>
-            <a:lvl9pPr marL="6502948" indent="0">
-              <a:buNone/>
-              <a:defRPr sz="1778"/>
+            <a:lvl9pPr marL="2743200" indent="0">
+              <a:buNone/>
+              <a:defRPr sz="750"/>
             </a:lvl9pPr>
           </a:lstStyle>
           <a:p>
             <a:pPr lvl="0"/>
             <a:r>
+              <a:rPr lang="en-GB"/>
+              <a:t>Click to edit Master text styles</a:t>
+            </a:r>
+          </a:p>
+        </p:txBody>
+      </p:sp>
+      <p:sp>
+        <p:nvSpPr>
+          <p:cNvPr id="5" name="Date Placeholder 4"/>
+          <p:cNvSpPr>
+            <a:spLocks noGrp="1"/>
+          </p:cNvSpPr>
+          <p:nvPr>
+            <p:ph type="dt" sz="half" idx="10"/>
+          </p:nvPr>
+        </p:nvSpPr>
+        <p:spPr/>
+        <p:txBody>
+          <a:bodyPr/>
+          <a:lstStyle/>
+          <a:p>
+            <a:fld id="{F7BE2267-429B-0A43-A99F-21C8CD1D07F5}" type="datetimeFigureOut">
               <a:rPr lang="en-US" smtClean="0"/>
-              <a:t>Edit Master text styles</a:t>
-            </a:r>
-          </a:p>
-        </p:txBody>
-      </p:sp>
-      <p:sp>
-        <p:nvSpPr>
-          <p:cNvPr id="5" name="Date Placeholder 4"/>
-          <p:cNvSpPr>
-            <a:spLocks noGrp="1"/>
-          </p:cNvSpPr>
-          <p:nvPr>
-            <p:ph type="dt" sz="half" idx="10"/>
-          </p:nvPr>
-        </p:nvSpPr>
-        <p:spPr/>
-        <p:txBody>
-          <a:bodyPr/>
-          <a:lstStyle/>
-          <a:p>
-            <a:fld id="{F82F713A-5EB9-4B7A-B87D-F2B7940161AF}" type="datetimeFigureOut">
-              <a:rPr lang="en-NZ" smtClean="0"/>
-              <a:t>3/11/2020</a:t>
+              <a:t>11/4/20</a:t>
             </a:fld>
-            <a:endParaRPr lang="en-NZ"/>
+            <a:endParaRPr lang="en-US"/>
           </a:p>
         </p:txBody>
       </p:sp>
@@ -2376,7 +2374,7 @@
           <a:bodyPr/>
           <a:lstStyle/>
           <a:p>
-            <a:endParaRPr lang="en-NZ"/>
+            <a:endParaRPr lang="en-US"/>
           </a:p>
         </p:txBody>
       </p:sp>
@@ -2395,18 +2393,18 @@
           <a:bodyPr/>
           <a:lstStyle/>
           <a:p>
-            <a:fld id="{BF18C196-3ABE-43C0-9E5E-32D62974A7DC}" type="slidenum">
-              <a:rPr lang="en-NZ" smtClean="0"/>
+            <a:fld id="{11554FD2-8CE4-DF48-92ED-5F5BE3C98032}" type="slidenum">
+              <a:rPr lang="en-US" smtClean="0"/>
               <a:t>‹#›</a:t>
             </a:fld>
-            <a:endParaRPr lang="en-NZ"/>
+            <a:endParaRPr lang="en-US"/>
           </a:p>
         </p:txBody>
       </p:sp>
     </p:spTree>
     <p:extLst>
       <p:ext uri="{BB962C8B-B14F-4D97-AF65-F5344CB8AC3E}">
-        <p14:creationId xmlns:p14="http://schemas.microsoft.com/office/powerpoint/2010/main" val="595527579"/>
+        <p14:creationId xmlns:p14="http://schemas.microsoft.com/office/powerpoint/2010/main" val="3453888323"/>
       </p:ext>
     </p:extLst>
   </p:cSld>
@@ -2450,8 +2448,8 @@
         </p:nvSpPr>
         <p:spPr>
           <a:xfrm>
-            <a:off x="471488" y="649112"/>
-            <a:ext cx="5915025" cy="2356556"/>
+            <a:off x="471488" y="486836"/>
+            <a:ext cx="5915025" cy="1767417"/>
           </a:xfrm>
           <a:prstGeom prst="rect">
             <a:avLst/>
@@ -2464,10 +2462,10 @@
           <a:lstStyle/>
           <a:p>
             <a:r>
-              <a:rPr lang="en-US" smtClean="0"/>
+              <a:rPr lang="en-GB"/>
               <a:t>Click to edit Master title style</a:t>
             </a:r>
-            <a:endParaRPr lang="en-NZ"/>
+            <a:endParaRPr lang="en-US" dirty="0"/>
           </a:p>
         </p:txBody>
       </p:sp>
@@ -2483,8 +2481,8 @@
         </p:nvSpPr>
         <p:spPr>
           <a:xfrm>
-            <a:off x="471488" y="3245556"/>
-            <a:ext cx="5915025" cy="7735712"/>
+            <a:off x="471488" y="2434167"/>
+            <a:ext cx="5915025" cy="5801784"/>
           </a:xfrm>
           <a:prstGeom prst="rect">
             <a:avLst/>
@@ -2498,38 +2496,38 @@
           <a:p>
             <a:pPr lvl="0"/>
             <a:r>
-              <a:rPr lang="en-US" smtClean="0"/>
-              <a:t>Edit Master text styles</a:t>
+              <a:rPr lang="en-GB"/>
+              <a:t>Click to edit Master text styles</a:t>
             </a:r>
           </a:p>
           <a:p>
             <a:pPr lvl="1"/>
             <a:r>
-              <a:rPr lang="en-US" smtClean="0"/>
+              <a:rPr lang="en-GB"/>
               <a:t>Second level</a:t>
             </a:r>
           </a:p>
           <a:p>
             <a:pPr lvl="2"/>
             <a:r>
-              <a:rPr lang="en-US" smtClean="0"/>
+              <a:rPr lang="en-GB"/>
               <a:t>Third level</a:t>
             </a:r>
           </a:p>
           <a:p>
             <a:pPr lvl="3"/>
             <a:r>
-              <a:rPr lang="en-US" smtClean="0"/>
+              <a:rPr lang="en-GB"/>
               <a:t>Fourth level</a:t>
             </a:r>
           </a:p>
           <a:p>
             <a:pPr lvl="4"/>
             <a:r>
-              <a:rPr lang="en-US" smtClean="0"/>
+              <a:rPr lang="en-GB"/>
               <a:t>Fifth level</a:t>
             </a:r>
-            <a:endParaRPr lang="en-NZ"/>
+            <a:endParaRPr lang="en-US" dirty="0"/>
           </a:p>
         </p:txBody>
       </p:sp>
@@ -2545,8 +2543,8 @@
         </p:nvSpPr>
         <p:spPr>
           <a:xfrm>
-            <a:off x="471488" y="11300181"/>
-            <a:ext cx="1543050" cy="649111"/>
+            <a:off x="471488" y="8475136"/>
+            <a:ext cx="1543050" cy="486833"/>
           </a:xfrm>
           <a:prstGeom prst="rect">
             <a:avLst/>
@@ -2556,7 +2554,7 @@
           <a:bodyPr vert="horz" lIns="91440" tIns="45720" rIns="91440" bIns="45720" rtlCol="0" anchor="ctr"/>
           <a:lstStyle>
             <a:lvl1pPr algn="l">
-              <a:defRPr sz="2133">
+              <a:defRPr sz="900">
                 <a:solidFill>
                   <a:schemeClr val="tx1">
                     <a:tint val="75000"/>
@@ -2566,11 +2564,11 @@
             </a:lvl1pPr>
           </a:lstStyle>
           <a:p>
-            <a:fld id="{F82F713A-5EB9-4B7A-B87D-F2B7940161AF}" type="datetimeFigureOut">
-              <a:rPr lang="en-NZ" smtClean="0"/>
-              <a:t>3/11/2020</a:t>
+            <a:fld id="{F7BE2267-429B-0A43-A99F-21C8CD1D07F5}" type="datetimeFigureOut">
+              <a:rPr lang="en-US" smtClean="0"/>
+              <a:t>11/4/20</a:t>
             </a:fld>
-            <a:endParaRPr lang="en-NZ"/>
+            <a:endParaRPr lang="en-US"/>
           </a:p>
         </p:txBody>
       </p:sp>
@@ -2586,8 +2584,8 @@
         </p:nvSpPr>
         <p:spPr>
           <a:xfrm>
-            <a:off x="2271713" y="11300181"/>
-            <a:ext cx="2314575" cy="649111"/>
+            <a:off x="2271713" y="8475136"/>
+            <a:ext cx="2314575" cy="486833"/>
           </a:xfrm>
           <a:prstGeom prst="rect">
             <a:avLst/>
@@ -2597,7 +2595,7 @@
           <a:bodyPr vert="horz" lIns="91440" tIns="45720" rIns="91440" bIns="45720" rtlCol="0" anchor="ctr"/>
           <a:lstStyle>
             <a:lvl1pPr algn="ctr">
-              <a:defRPr sz="2133">
+              <a:defRPr sz="900">
                 <a:solidFill>
                   <a:schemeClr val="tx1">
                     <a:tint val="75000"/>
@@ -2607,7 +2605,7 @@
             </a:lvl1pPr>
           </a:lstStyle>
           <a:p>
-            <a:endParaRPr lang="en-NZ"/>
+            <a:endParaRPr lang="en-US"/>
           </a:p>
         </p:txBody>
       </p:sp>
@@ -2623,8 +2621,8 @@
         </p:nvSpPr>
         <p:spPr>
           <a:xfrm>
-            <a:off x="4843463" y="11300181"/>
-            <a:ext cx="1543050" cy="649111"/>
+            <a:off x="4843463" y="8475136"/>
+            <a:ext cx="1543050" cy="486833"/>
           </a:xfrm>
           <a:prstGeom prst="rect">
             <a:avLst/>
@@ -2634,7 +2632,7 @@
           <a:bodyPr vert="horz" lIns="91440" tIns="45720" rIns="91440" bIns="45720" rtlCol="0" anchor="ctr"/>
           <a:lstStyle>
             <a:lvl1pPr algn="r">
-              <a:defRPr sz="2133">
+              <a:defRPr sz="900">
                 <a:solidFill>
                   <a:schemeClr val="tx1">
                     <a:tint val="75000"/>
@@ -2644,38 +2642,38 @@
             </a:lvl1pPr>
           </a:lstStyle>
           <a:p>
-            <a:fld id="{BF18C196-3ABE-43C0-9E5E-32D62974A7DC}" type="slidenum">
-              <a:rPr lang="en-NZ" smtClean="0"/>
+            <a:fld id="{11554FD2-8CE4-DF48-92ED-5F5BE3C98032}" type="slidenum">
+              <a:rPr lang="en-US" smtClean="0"/>
               <a:t>‹#›</a:t>
             </a:fld>
-            <a:endParaRPr lang="en-NZ"/>
+            <a:endParaRPr lang="en-US"/>
           </a:p>
         </p:txBody>
       </p:sp>
     </p:spTree>
     <p:extLst>
       <p:ext uri="{BB962C8B-B14F-4D97-AF65-F5344CB8AC3E}">
-        <p14:creationId xmlns:p14="http://schemas.microsoft.com/office/powerpoint/2010/main" val="2923099867"/>
+        <p14:creationId xmlns:p14="http://schemas.microsoft.com/office/powerpoint/2010/main" val="2120032143"/>
       </p:ext>
     </p:extLst>
   </p:cSld>
   <p:clrMap bg1="lt1" tx1="dk1" bg2="lt2" tx2="dk2" accent1="accent1" accent2="accent2" accent3="accent3" accent4="accent4" accent5="accent5" accent6="accent6" hlink="hlink" folHlink="folHlink"/>
   <p:sldLayoutIdLst>
-    <p:sldLayoutId id="2147483649" r:id="rId1"/>
-    <p:sldLayoutId id="2147483650" r:id="rId2"/>
-    <p:sldLayoutId id="2147483651" r:id="rId3"/>
-    <p:sldLayoutId id="2147483652" r:id="rId4"/>
-    <p:sldLayoutId id="2147483653" r:id="rId5"/>
-    <p:sldLayoutId id="2147483654" r:id="rId6"/>
-    <p:sldLayoutId id="2147483655" r:id="rId7"/>
-    <p:sldLayoutId id="2147483656" r:id="rId8"/>
-    <p:sldLayoutId id="2147483657" r:id="rId9"/>
-    <p:sldLayoutId id="2147483658" r:id="rId10"/>
-    <p:sldLayoutId id="2147483659" r:id="rId11"/>
+    <p:sldLayoutId id="2147483673" r:id="rId1"/>
+    <p:sldLayoutId id="2147483674" r:id="rId2"/>
+    <p:sldLayoutId id="2147483675" r:id="rId3"/>
+    <p:sldLayoutId id="2147483676" r:id="rId4"/>
+    <p:sldLayoutId id="2147483677" r:id="rId5"/>
+    <p:sldLayoutId id="2147483678" r:id="rId6"/>
+    <p:sldLayoutId id="2147483679" r:id="rId7"/>
+    <p:sldLayoutId id="2147483680" r:id="rId8"/>
+    <p:sldLayoutId id="2147483681" r:id="rId9"/>
+    <p:sldLayoutId id="2147483682" r:id="rId10"/>
+    <p:sldLayoutId id="2147483683" r:id="rId11"/>
   </p:sldLayoutIdLst>
   <p:txStyles>
     <p:titleStyle>
-      <a:lvl1pPr algn="l" defTabSz="1625737" rtl="0" eaLnBrk="1" latinLnBrk="0" hangingPunct="1">
+      <a:lvl1pPr algn="l" defTabSz="685800" rtl="0" eaLnBrk="1" latinLnBrk="0" hangingPunct="1">
         <a:lnSpc>
           <a:spcPct val="90000"/>
         </a:lnSpc>
@@ -2683,7 +2681,7 @@
           <a:spcPct val="0"/>
         </a:spcBef>
         <a:buNone/>
-        <a:defRPr sz="7822" kern="1200">
+        <a:defRPr sz="3300" kern="1200">
           <a:solidFill>
             <a:schemeClr val="tx1"/>
           </a:solidFill>
@@ -2694,16 +2692,16 @@
       </a:lvl1pPr>
     </p:titleStyle>
     <p:bodyStyle>
-      <a:lvl1pPr marL="406434" indent="-406434" algn="l" defTabSz="1625737" rtl="0" eaLnBrk="1" latinLnBrk="0" hangingPunct="1">
+      <a:lvl1pPr marL="171450" indent="-171450" algn="l" defTabSz="685800" rtl="0" eaLnBrk="1" latinLnBrk="0" hangingPunct="1">
         <a:lnSpc>
           <a:spcPct val="90000"/>
         </a:lnSpc>
         <a:spcBef>
-          <a:spcPts val="1778"/>
+          <a:spcPts val="750"/>
         </a:spcBef>
         <a:buFont typeface="Arial" panose="020B0604020202020204" pitchFamily="34" charset="0"/>
         <a:buChar char="•"/>
-        <a:defRPr sz="4978" kern="1200">
+        <a:defRPr sz="2100" kern="1200">
           <a:solidFill>
             <a:schemeClr val="tx1"/>
           </a:solidFill>
@@ -2712,16 +2710,16 @@
           <a:cs typeface="+mn-cs"/>
         </a:defRPr>
       </a:lvl1pPr>
-      <a:lvl2pPr marL="1219302" indent="-406434" algn="l" defTabSz="1625737" rtl="0" eaLnBrk="1" latinLnBrk="0" hangingPunct="1">
+      <a:lvl2pPr marL="514350" indent="-171450" algn="l" defTabSz="685800" rtl="0" eaLnBrk="1" latinLnBrk="0" hangingPunct="1">
         <a:lnSpc>
           <a:spcPct val="90000"/>
         </a:lnSpc>
         <a:spcBef>
-          <a:spcPts val="889"/>
+          <a:spcPts val="375"/>
         </a:spcBef>
         <a:buFont typeface="Arial" panose="020B0604020202020204" pitchFamily="34" charset="0"/>
         <a:buChar char="•"/>
-        <a:defRPr sz="4267" kern="1200">
+        <a:defRPr sz="1800" kern="1200">
           <a:solidFill>
             <a:schemeClr val="tx1"/>
           </a:solidFill>
@@ -2730,16 +2728,16 @@
           <a:cs typeface="+mn-cs"/>
         </a:defRPr>
       </a:lvl2pPr>
-      <a:lvl3pPr marL="2032171" indent="-406434" algn="l" defTabSz="1625737" rtl="0" eaLnBrk="1" latinLnBrk="0" hangingPunct="1">
+      <a:lvl3pPr marL="857250" indent="-171450" algn="l" defTabSz="685800" rtl="0" eaLnBrk="1" latinLnBrk="0" hangingPunct="1">
         <a:lnSpc>
           <a:spcPct val="90000"/>
         </a:lnSpc>
         <a:spcBef>
-          <a:spcPts val="889"/>
+          <a:spcPts val="375"/>
         </a:spcBef>
         <a:buFont typeface="Arial" panose="020B0604020202020204" pitchFamily="34" charset="0"/>
         <a:buChar char="•"/>
-        <a:defRPr sz="3556" kern="1200">
+        <a:defRPr sz="1500" kern="1200">
           <a:solidFill>
             <a:schemeClr val="tx1"/>
           </a:solidFill>
@@ -2748,16 +2746,16 @@
           <a:cs typeface="+mn-cs"/>
         </a:defRPr>
       </a:lvl3pPr>
-      <a:lvl4pPr marL="2845040" indent="-406434" algn="l" defTabSz="1625737" rtl="0" eaLnBrk="1" latinLnBrk="0" hangingPunct="1">
+      <a:lvl4pPr marL="1200150" indent="-171450" algn="l" defTabSz="685800" rtl="0" eaLnBrk="1" latinLnBrk="0" hangingPunct="1">
         <a:lnSpc>
           <a:spcPct val="90000"/>
         </a:lnSpc>
         <a:spcBef>
-          <a:spcPts val="889"/>
+          <a:spcPts val="375"/>
         </a:spcBef>
         <a:buFont typeface="Arial" panose="020B0604020202020204" pitchFamily="34" charset="0"/>
         <a:buChar char="•"/>
-        <a:defRPr sz="3200" kern="1200">
+        <a:defRPr sz="1350" kern="1200">
           <a:solidFill>
             <a:schemeClr val="tx1"/>
           </a:solidFill>
@@ -2766,16 +2764,16 @@
           <a:cs typeface="+mn-cs"/>
         </a:defRPr>
       </a:lvl4pPr>
-      <a:lvl5pPr marL="3657908" indent="-406434" algn="l" defTabSz="1625737" rtl="0" eaLnBrk="1" latinLnBrk="0" hangingPunct="1">
+      <a:lvl5pPr marL="1543050" indent="-171450" algn="l" defTabSz="685800" rtl="0" eaLnBrk="1" latinLnBrk="0" hangingPunct="1">
         <a:lnSpc>
           <a:spcPct val="90000"/>
         </a:lnSpc>
         <a:spcBef>
-          <a:spcPts val="889"/>
+          <a:spcPts val="375"/>
         </a:spcBef>
         <a:buFont typeface="Arial" panose="020B0604020202020204" pitchFamily="34" charset="0"/>
         <a:buChar char="•"/>
-        <a:defRPr sz="3200" kern="1200">
+        <a:defRPr sz="1350" kern="1200">
           <a:solidFill>
             <a:schemeClr val="tx1"/>
           </a:solidFill>
@@ -2784,16 +2782,16 @@
           <a:cs typeface="+mn-cs"/>
         </a:defRPr>
       </a:lvl5pPr>
-      <a:lvl6pPr marL="4470777" indent="-406434" algn="l" defTabSz="1625737" rtl="0" eaLnBrk="1" latinLnBrk="0" hangingPunct="1">
+      <a:lvl6pPr marL="1885950" indent="-171450" algn="l" defTabSz="685800" rtl="0" eaLnBrk="1" latinLnBrk="0" hangingPunct="1">
         <a:lnSpc>
           <a:spcPct val="90000"/>
         </a:lnSpc>
         <a:spcBef>
-          <a:spcPts val="889"/>
+          <a:spcPts val="375"/>
         </a:spcBef>
         <a:buFont typeface="Arial" panose="020B0604020202020204" pitchFamily="34" charset="0"/>
         <a:buChar char="•"/>
-        <a:defRPr sz="3200" kern="1200">
+        <a:defRPr sz="1350" kern="1200">
           <a:solidFill>
             <a:schemeClr val="tx1"/>
           </a:solidFill>
@@ -2802,16 +2800,16 @@
           <a:cs typeface="+mn-cs"/>
         </a:defRPr>
       </a:lvl6pPr>
-      <a:lvl7pPr marL="5283645" indent="-406434" algn="l" defTabSz="1625737" rtl="0" eaLnBrk="1" latinLnBrk="0" hangingPunct="1">
+      <a:lvl7pPr marL="2228850" indent="-171450" algn="l" defTabSz="685800" rtl="0" eaLnBrk="1" latinLnBrk="0" hangingPunct="1">
         <a:lnSpc>
           <a:spcPct val="90000"/>
         </a:lnSpc>
         <a:spcBef>
-          <a:spcPts val="889"/>
+          <a:spcPts val="375"/>
         </a:spcBef>
         <a:buFont typeface="Arial" panose="020B0604020202020204" pitchFamily="34" charset="0"/>
         <a:buChar char="•"/>
-        <a:defRPr sz="3200" kern="1200">
+        <a:defRPr sz="1350" kern="1200">
           <a:solidFill>
             <a:schemeClr val="tx1"/>
           </a:solidFill>
@@ -2820,16 +2818,16 @@
           <a:cs typeface="+mn-cs"/>
         </a:defRPr>
       </a:lvl7pPr>
-      <a:lvl8pPr marL="6096514" indent="-406434" algn="l" defTabSz="1625737" rtl="0" eaLnBrk="1" latinLnBrk="0" hangingPunct="1">
+      <a:lvl8pPr marL="2571750" indent="-171450" algn="l" defTabSz="685800" rtl="0" eaLnBrk="1" latinLnBrk="0" hangingPunct="1">
         <a:lnSpc>
           <a:spcPct val="90000"/>
         </a:lnSpc>
         <a:spcBef>
-          <a:spcPts val="889"/>
+          <a:spcPts val="375"/>
         </a:spcBef>
         <a:buFont typeface="Arial" panose="020B0604020202020204" pitchFamily="34" charset="0"/>
         <a:buChar char="•"/>
-        <a:defRPr sz="3200" kern="1200">
+        <a:defRPr sz="1350" kern="1200">
           <a:solidFill>
             <a:schemeClr val="tx1"/>
           </a:solidFill>
@@ -2838,16 +2836,16 @@
           <a:cs typeface="+mn-cs"/>
         </a:defRPr>
       </a:lvl8pPr>
-      <a:lvl9pPr marL="6909382" indent="-406434" algn="l" defTabSz="1625737" rtl="0" eaLnBrk="1" latinLnBrk="0" hangingPunct="1">
+      <a:lvl9pPr marL="2914650" indent="-171450" algn="l" defTabSz="685800" rtl="0" eaLnBrk="1" latinLnBrk="0" hangingPunct="1">
         <a:lnSpc>
           <a:spcPct val="90000"/>
         </a:lnSpc>
         <a:spcBef>
-          <a:spcPts val="889"/>
+          <a:spcPts val="375"/>
         </a:spcBef>
         <a:buFont typeface="Arial" panose="020B0604020202020204" pitchFamily="34" charset="0"/>
         <a:buChar char="•"/>
-        <a:defRPr sz="3200" kern="1200">
+        <a:defRPr sz="1350" kern="1200">
           <a:solidFill>
             <a:schemeClr val="tx1"/>
           </a:solidFill>
@@ -2861,8 +2859,8 @@
       <a:defPPr>
         <a:defRPr lang="en-US"/>
       </a:defPPr>
-      <a:lvl1pPr marL="0" algn="l" defTabSz="1625737" rtl="0" eaLnBrk="1" latinLnBrk="0" hangingPunct="1">
-        <a:defRPr sz="3200" kern="1200">
+      <a:lvl1pPr marL="0" algn="l" defTabSz="685800" rtl="0" eaLnBrk="1" latinLnBrk="0" hangingPunct="1">
+        <a:defRPr sz="1350" kern="1200">
           <a:solidFill>
             <a:schemeClr val="tx1"/>
           </a:solidFill>
@@ -2871,8 +2869,8 @@
           <a:cs typeface="+mn-cs"/>
         </a:defRPr>
       </a:lvl1pPr>
-      <a:lvl2pPr marL="812868" algn="l" defTabSz="1625737" rtl="0" eaLnBrk="1" latinLnBrk="0" hangingPunct="1">
-        <a:defRPr sz="3200" kern="1200">
+      <a:lvl2pPr marL="342900" algn="l" defTabSz="685800" rtl="0" eaLnBrk="1" latinLnBrk="0" hangingPunct="1">
+        <a:defRPr sz="1350" kern="1200">
           <a:solidFill>
             <a:schemeClr val="tx1"/>
           </a:solidFill>
@@ -2881,8 +2879,8 @@
           <a:cs typeface="+mn-cs"/>
         </a:defRPr>
       </a:lvl2pPr>
-      <a:lvl3pPr marL="1625737" algn="l" defTabSz="1625737" rtl="0" eaLnBrk="1" latinLnBrk="0" hangingPunct="1">
-        <a:defRPr sz="3200" kern="1200">
+      <a:lvl3pPr marL="685800" algn="l" defTabSz="685800" rtl="0" eaLnBrk="1" latinLnBrk="0" hangingPunct="1">
+        <a:defRPr sz="1350" kern="1200">
           <a:solidFill>
             <a:schemeClr val="tx1"/>
           </a:solidFill>
@@ -2891,8 +2889,8 @@
           <a:cs typeface="+mn-cs"/>
         </a:defRPr>
       </a:lvl3pPr>
-      <a:lvl4pPr marL="2438605" algn="l" defTabSz="1625737" rtl="0" eaLnBrk="1" latinLnBrk="0" hangingPunct="1">
-        <a:defRPr sz="3200" kern="1200">
+      <a:lvl4pPr marL="1028700" algn="l" defTabSz="685800" rtl="0" eaLnBrk="1" latinLnBrk="0" hangingPunct="1">
+        <a:defRPr sz="1350" kern="1200">
           <a:solidFill>
             <a:schemeClr val="tx1"/>
           </a:solidFill>
@@ -2901,8 +2899,8 @@
           <a:cs typeface="+mn-cs"/>
         </a:defRPr>
       </a:lvl4pPr>
-      <a:lvl5pPr marL="3251474" algn="l" defTabSz="1625737" rtl="0" eaLnBrk="1" latinLnBrk="0" hangingPunct="1">
-        <a:defRPr sz="3200" kern="1200">
+      <a:lvl5pPr marL="1371600" algn="l" defTabSz="685800" rtl="0" eaLnBrk="1" latinLnBrk="0" hangingPunct="1">
+        <a:defRPr sz="1350" kern="1200">
           <a:solidFill>
             <a:schemeClr val="tx1"/>
           </a:solidFill>
@@ -2911,8 +2909,8 @@
           <a:cs typeface="+mn-cs"/>
         </a:defRPr>
       </a:lvl5pPr>
-      <a:lvl6pPr marL="4064342" algn="l" defTabSz="1625737" rtl="0" eaLnBrk="1" latinLnBrk="0" hangingPunct="1">
-        <a:defRPr sz="3200" kern="1200">
+      <a:lvl6pPr marL="1714500" algn="l" defTabSz="685800" rtl="0" eaLnBrk="1" latinLnBrk="0" hangingPunct="1">
+        <a:defRPr sz="1350" kern="1200">
           <a:solidFill>
             <a:schemeClr val="tx1"/>
           </a:solidFill>
@@ -2921,8 +2919,8 @@
           <a:cs typeface="+mn-cs"/>
         </a:defRPr>
       </a:lvl6pPr>
-      <a:lvl7pPr marL="4877211" algn="l" defTabSz="1625737" rtl="0" eaLnBrk="1" latinLnBrk="0" hangingPunct="1">
-        <a:defRPr sz="3200" kern="1200">
+      <a:lvl7pPr marL="2057400" algn="l" defTabSz="685800" rtl="0" eaLnBrk="1" latinLnBrk="0" hangingPunct="1">
+        <a:defRPr sz="1350" kern="1200">
           <a:solidFill>
             <a:schemeClr val="tx1"/>
           </a:solidFill>
@@ -2931,8 +2929,8 @@
           <a:cs typeface="+mn-cs"/>
         </a:defRPr>
       </a:lvl7pPr>
-      <a:lvl8pPr marL="5690079" algn="l" defTabSz="1625737" rtl="0" eaLnBrk="1" latinLnBrk="0" hangingPunct="1">
-        <a:defRPr sz="3200" kern="1200">
+      <a:lvl8pPr marL="2400300" algn="l" defTabSz="685800" rtl="0" eaLnBrk="1" latinLnBrk="0" hangingPunct="1">
+        <a:defRPr sz="1350" kern="1200">
           <a:solidFill>
             <a:schemeClr val="tx1"/>
           </a:solidFill>
@@ -2941,8 +2939,8 @@
           <a:cs typeface="+mn-cs"/>
         </a:defRPr>
       </a:lvl8pPr>
-      <a:lvl9pPr marL="6502948" algn="l" defTabSz="1625737" rtl="0" eaLnBrk="1" latinLnBrk="0" hangingPunct="1">
-        <a:defRPr sz="3200" kern="1200">
+      <a:lvl9pPr marL="2743200" algn="l" defTabSz="685800" rtl="0" eaLnBrk="1" latinLnBrk="0" hangingPunct="1">
+        <a:defRPr sz="1350" kern="1200">
           <a:solidFill>
             <a:schemeClr val="tx1"/>
           </a:solidFill>
@@ -2975,28 +2973,128 @@
       </p:grpSpPr>
       <p:pic>
         <p:nvPicPr>
-          <p:cNvPr id="4" name="Picture 3"/>
+          <p:cNvPr id="9" name="Picture 8" descr="Chart, scatter chart&#10;&#10;Description automatically generated">
+            <a:extLst>
+              <a:ext uri="{FF2B5EF4-FFF2-40B4-BE49-F238E27FC236}">
+                <a16:creationId xmlns:a16="http://schemas.microsoft.com/office/drawing/2014/main" id="{F77C3FEF-D813-8C4B-AF75-57488C34E666}"/>
+              </a:ext>
+            </a:extLst>
+          </p:cNvPr>
           <p:cNvPicPr>
             <a:picLocks noChangeAspect="1"/>
           </p:cNvPicPr>
           <p:nvPr/>
         </p:nvPicPr>
         <p:blipFill>
-          <a:blip r:embed="rId2">
-            <a:extLst>
-              <a:ext uri="{28A0092B-C50C-407E-A947-70E740481C1C}">
-                <a14:useLocalDpi xmlns:a14="http://schemas.microsoft.com/office/drawing/2010/main" val="0"/>
-              </a:ext>
-            </a:extLst>
-          </a:blip>
+          <a:blip r:embed="rId2"/>
           <a:stretch>
             <a:fillRect/>
           </a:stretch>
         </p:blipFill>
         <p:spPr>
           <a:xfrm>
-            <a:off x="406400" y="1926167"/>
-            <a:ext cx="2768605" cy="1845736"/>
+            <a:off x="537881" y="0"/>
+            <a:ext cx="5316071" cy="3987053"/>
+          </a:xfrm>
+          <a:prstGeom prst="rect">
+            <a:avLst/>
+          </a:prstGeom>
+        </p:spPr>
+      </p:pic>
+      <p:sp>
+        <p:nvSpPr>
+          <p:cNvPr id="15" name="TextBox 14">
+            <a:extLst>
+              <a:ext uri="{FF2B5EF4-FFF2-40B4-BE49-F238E27FC236}">
+                <a16:creationId xmlns:a16="http://schemas.microsoft.com/office/drawing/2014/main" id="{22FC0382-4CF2-EF4B-9110-6ACB14BAE1B4}"/>
+              </a:ext>
+            </a:extLst>
+          </p:cNvPr>
+          <p:cNvSpPr txBox="1"/>
+          <p:nvPr/>
+        </p:nvSpPr>
+        <p:spPr>
+          <a:xfrm>
+            <a:off x="2109757" y="8142489"/>
+            <a:ext cx="722587" cy="292388"/>
+          </a:xfrm>
+          <a:prstGeom prst="rect">
+            <a:avLst/>
+          </a:prstGeom>
+          <a:noFill/>
+        </p:spPr>
+        <p:txBody>
+          <a:bodyPr wrap="square" rtlCol="0">
+            <a:spAutoFit/>
+          </a:bodyPr>
+          <a:lstStyle/>
+          <a:p>
+            <a:r>
+              <a:rPr lang="en-NZ" sz="1300" dirty="0"/>
+              <a:t>0°</a:t>
+            </a:r>
+          </a:p>
+        </p:txBody>
+      </p:sp>
+      <p:sp>
+        <p:nvSpPr>
+          <p:cNvPr id="16" name="TextBox 15">
+            <a:extLst>
+              <a:ext uri="{FF2B5EF4-FFF2-40B4-BE49-F238E27FC236}">
+                <a16:creationId xmlns:a16="http://schemas.microsoft.com/office/drawing/2014/main" id="{1A6808E8-3E60-E34C-9EEF-C602AE911CF5}"/>
+              </a:ext>
+            </a:extLst>
+          </p:cNvPr>
+          <p:cNvSpPr txBox="1"/>
+          <p:nvPr/>
+        </p:nvSpPr>
+        <p:spPr>
+          <a:xfrm>
+            <a:off x="4769511" y="8151820"/>
+            <a:ext cx="722587" cy="292388"/>
+          </a:xfrm>
+          <a:prstGeom prst="rect">
+            <a:avLst/>
+          </a:prstGeom>
+          <a:noFill/>
+        </p:spPr>
+        <p:txBody>
+          <a:bodyPr wrap="square" rtlCol="0">
+            <a:spAutoFit/>
+          </a:bodyPr>
+          <a:lstStyle/>
+          <a:p>
+            <a:r>
+              <a:rPr lang="en-NZ" sz="1300" dirty="0"/>
+              <a:t>45°</a:t>
+            </a:r>
+          </a:p>
+        </p:txBody>
+      </p:sp>
+      <p:pic>
+        <p:nvPicPr>
+          <p:cNvPr id="18" name="Picture 17" descr="Chart, scatter chart&#10;&#10;Description automatically generated">
+            <a:extLst>
+              <a:ext uri="{FF2B5EF4-FFF2-40B4-BE49-F238E27FC236}">
+                <a16:creationId xmlns:a16="http://schemas.microsoft.com/office/drawing/2014/main" id="{0517DFA5-C0BD-EF44-853D-DE225746D7DC}"/>
+              </a:ext>
+            </a:extLst>
+          </p:cNvPr>
+          <p:cNvPicPr>
+            <a:picLocks noChangeAspect="1"/>
+          </p:cNvPicPr>
+          <p:nvPr/>
+        </p:nvPicPr>
+        <p:blipFill>
+          <a:blip r:embed="rId3"/>
+          <a:stretch>
+            <a:fillRect/>
+          </a:stretch>
+        </p:blipFill>
+        <p:spPr>
+          <a:xfrm>
+            <a:off x="510096" y="3692992"/>
+            <a:ext cx="5343856" cy="4007892"/>
           </a:xfrm>
           <a:prstGeom prst="rect">
             <a:avLst/>
@@ -3005,28 +3103,28 @@
       </p:pic>
       <p:pic>
         <p:nvPicPr>
-          <p:cNvPr id="5" name="Picture 4"/>
+          <p:cNvPr id="3" name="Picture 2">
+            <a:extLst>
+              <a:ext uri="{FF2B5EF4-FFF2-40B4-BE49-F238E27FC236}">
+                <a16:creationId xmlns:a16="http://schemas.microsoft.com/office/drawing/2014/main" id="{BD34D3C6-801C-D548-8BBE-5F91F32C82CE}"/>
+              </a:ext>
+            </a:extLst>
+          </p:cNvPr>
           <p:cNvPicPr>
             <a:picLocks noChangeAspect="1"/>
           </p:cNvPicPr>
           <p:nvPr/>
         </p:nvPicPr>
         <p:blipFill>
-          <a:blip r:embed="rId3">
-            <a:extLst>
-              <a:ext uri="{28A0092B-C50C-407E-A947-70E740481C1C}">
-                <a14:useLocalDpi xmlns:a14="http://schemas.microsoft.com/office/drawing/2010/main" val="0"/>
-              </a:ext>
-            </a:extLst>
-          </a:blip>
+          <a:blip r:embed="rId4"/>
           <a:stretch>
             <a:fillRect/>
           </a:stretch>
         </p:blipFill>
         <p:spPr>
           <a:xfrm>
-            <a:off x="3175005" y="1926167"/>
-            <a:ext cx="2768605" cy="1845736"/>
+            <a:off x="1969795" y="7635978"/>
+            <a:ext cx="3118757" cy="273575"/>
           </a:xfrm>
           <a:prstGeom prst="rect">
             <a:avLst/>
@@ -3035,28 +3133,28 @@
       </p:pic>
       <p:pic>
         <p:nvPicPr>
-          <p:cNvPr id="6" name="Picture 5"/>
+          <p:cNvPr id="5" name="Picture 4">
+            <a:extLst>
+              <a:ext uri="{FF2B5EF4-FFF2-40B4-BE49-F238E27FC236}">
+                <a16:creationId xmlns:a16="http://schemas.microsoft.com/office/drawing/2014/main" id="{F5179167-8149-4143-86C2-C1958DE11EA8}"/>
+              </a:ext>
+            </a:extLst>
+          </p:cNvPr>
           <p:cNvPicPr>
             <a:picLocks noChangeAspect="1"/>
           </p:cNvPicPr>
           <p:nvPr/>
         </p:nvPicPr>
         <p:blipFill>
-          <a:blip r:embed="rId4">
-            <a:extLst>
-              <a:ext uri="{28A0092B-C50C-407E-A947-70E740481C1C}">
-                <a14:useLocalDpi xmlns:a14="http://schemas.microsoft.com/office/drawing/2010/main" val="0"/>
-              </a:ext>
-            </a:extLst>
-          </a:blip>
+          <a:blip r:embed="rId5"/>
           <a:stretch>
             <a:fillRect/>
           </a:stretch>
         </p:blipFill>
         <p:spPr>
-          <a:xfrm>
-            <a:off x="387351" y="3771903"/>
-            <a:ext cx="2787654" cy="1858436"/>
+          <a:xfrm rot="5400000">
+            <a:off x="3374819" y="7861647"/>
+            <a:ext cx="369622" cy="1077185"/>
           </a:xfrm>
           <a:prstGeom prst="rect">
             <a:avLst/>
@@ -3065,448 +3163,51 @@
       </p:pic>
       <p:pic>
         <p:nvPicPr>
-          <p:cNvPr id="7" name="Picture 6"/>
+          <p:cNvPr id="7" name="Picture 6">
+            <a:extLst>
+              <a:ext uri="{FF2B5EF4-FFF2-40B4-BE49-F238E27FC236}">
+                <a16:creationId xmlns:a16="http://schemas.microsoft.com/office/drawing/2014/main" id="{071A29A6-EBA0-ED4A-98F3-546CF642DE03}"/>
+              </a:ext>
+            </a:extLst>
+          </p:cNvPr>
           <p:cNvPicPr>
             <a:picLocks noChangeAspect="1"/>
           </p:cNvPicPr>
           <p:nvPr/>
         </p:nvPicPr>
         <p:blipFill>
-          <a:blip r:embed="rId5">
-            <a:extLst>
-              <a:ext uri="{28A0092B-C50C-407E-A947-70E740481C1C}">
-                <a14:useLocalDpi xmlns:a14="http://schemas.microsoft.com/office/drawing/2010/main" val="0"/>
-              </a:ext>
-            </a:extLst>
-          </a:blip>
+          <a:blip r:embed="rId6"/>
           <a:stretch>
             <a:fillRect/>
           </a:stretch>
         </p:blipFill>
         <p:spPr>
-          <a:xfrm>
-            <a:off x="3155956" y="3771903"/>
-            <a:ext cx="2787654" cy="1858436"/>
+          <a:xfrm rot="5400000">
+            <a:off x="3494195" y="6707829"/>
+            <a:ext cx="195414" cy="2779222"/>
           </a:xfrm>
           <a:prstGeom prst="rect">
             <a:avLst/>
           </a:prstGeom>
         </p:spPr>
       </p:pic>
-      <p:pic>
-        <p:nvPicPr>
-          <p:cNvPr id="8" name="Picture 7"/>
-          <p:cNvPicPr>
-            <a:picLocks noChangeAspect="1"/>
-          </p:cNvPicPr>
-          <p:nvPr/>
-        </p:nvPicPr>
-        <p:blipFill>
-          <a:blip r:embed="rId6">
-            <a:extLst>
-              <a:ext uri="{28A0092B-C50C-407E-A947-70E740481C1C}">
-                <a14:useLocalDpi xmlns:a14="http://schemas.microsoft.com/office/drawing/2010/main" val="0"/>
-              </a:ext>
-            </a:extLst>
-          </a:blip>
-          <a:stretch>
-            <a:fillRect/>
-          </a:stretch>
-        </p:blipFill>
-        <p:spPr>
-          <a:xfrm>
-            <a:off x="406399" y="5630339"/>
-            <a:ext cx="2768605" cy="1845736"/>
-          </a:xfrm>
-          <a:prstGeom prst="rect">
-            <a:avLst/>
-          </a:prstGeom>
-        </p:spPr>
-      </p:pic>
-      <p:pic>
-        <p:nvPicPr>
-          <p:cNvPr id="9" name="Picture 8"/>
-          <p:cNvPicPr>
-            <a:picLocks noChangeAspect="1"/>
-          </p:cNvPicPr>
-          <p:nvPr/>
-        </p:nvPicPr>
-        <p:blipFill>
-          <a:blip r:embed="rId7">
-            <a:extLst>
-              <a:ext uri="{28A0092B-C50C-407E-A947-70E740481C1C}">
-                <a14:useLocalDpi xmlns:a14="http://schemas.microsoft.com/office/drawing/2010/main" val="0"/>
-              </a:ext>
-            </a:extLst>
-          </a:blip>
-          <a:stretch>
-            <a:fillRect/>
-          </a:stretch>
-        </p:blipFill>
-        <p:spPr>
-          <a:xfrm>
-            <a:off x="3155956" y="5630339"/>
-            <a:ext cx="2787653" cy="1858436"/>
-          </a:xfrm>
-          <a:prstGeom prst="rect">
-            <a:avLst/>
-          </a:prstGeom>
-        </p:spPr>
-      </p:pic>
-      <p:pic>
-        <p:nvPicPr>
-          <p:cNvPr id="10" name="Picture 9"/>
-          <p:cNvPicPr>
-            <a:picLocks noChangeAspect="1"/>
-          </p:cNvPicPr>
-          <p:nvPr/>
-        </p:nvPicPr>
-        <p:blipFill>
-          <a:blip r:embed="rId8">
-            <a:extLst>
-              <a:ext uri="{28A0092B-C50C-407E-A947-70E740481C1C}">
-                <a14:useLocalDpi xmlns:a14="http://schemas.microsoft.com/office/drawing/2010/main" val="0"/>
-              </a:ext>
-            </a:extLst>
-          </a:blip>
-          <a:stretch>
-            <a:fillRect/>
-          </a:stretch>
-        </p:blipFill>
-        <p:spPr>
-          <a:xfrm rot="5400000">
-            <a:off x="3163675" y="6605846"/>
-            <a:ext cx="182970" cy="2536862"/>
-          </a:xfrm>
-          <a:prstGeom prst="rect">
-            <a:avLst/>
-          </a:prstGeom>
-        </p:spPr>
-      </p:pic>
-      <p:pic>
-        <p:nvPicPr>
-          <p:cNvPr id="11" name="Picture 10"/>
-          <p:cNvPicPr>
-            <a:picLocks noChangeAspect="1"/>
-          </p:cNvPicPr>
-          <p:nvPr/>
-        </p:nvPicPr>
-        <p:blipFill>
-          <a:blip r:embed="rId9">
-            <a:extLst>
-              <a:ext uri="{28A0092B-C50C-407E-A947-70E740481C1C}">
-                <a14:useLocalDpi xmlns:a14="http://schemas.microsoft.com/office/drawing/2010/main" val="0"/>
-              </a:ext>
-            </a:extLst>
-          </a:blip>
-          <a:stretch>
-            <a:fillRect/>
-          </a:stretch>
-        </p:blipFill>
-        <p:spPr>
-          <a:xfrm rot="5400000">
-            <a:off x="3139454" y="7666771"/>
-            <a:ext cx="302950" cy="883066"/>
-          </a:xfrm>
-          <a:prstGeom prst="rect">
-            <a:avLst/>
-          </a:prstGeom>
-        </p:spPr>
-      </p:pic>
-      <p:pic>
-        <p:nvPicPr>
-          <p:cNvPr id="12" name="Picture 11"/>
-          <p:cNvPicPr>
-            <a:picLocks noChangeAspect="1"/>
-          </p:cNvPicPr>
-          <p:nvPr/>
-        </p:nvPicPr>
-        <p:blipFill>
-          <a:blip r:embed="rId10">
-            <a:extLst>
-              <a:ext uri="{28A0092B-C50C-407E-A947-70E740481C1C}">
-                <a14:useLocalDpi xmlns:a14="http://schemas.microsoft.com/office/drawing/2010/main" val="0"/>
-              </a:ext>
-            </a:extLst>
-          </a:blip>
-          <a:stretch>
-            <a:fillRect/>
-          </a:stretch>
-        </p:blipFill>
-        <p:spPr>
-          <a:xfrm>
-            <a:off x="2106676" y="7469089"/>
-            <a:ext cx="2368506" cy="212958"/>
-          </a:xfrm>
-          <a:prstGeom prst="rect">
-            <a:avLst/>
-          </a:prstGeom>
-        </p:spPr>
-      </p:pic>
-      <p:sp>
-        <p:nvSpPr>
-          <p:cNvPr id="13" name="TextBox 12"/>
-          <p:cNvSpPr txBox="1"/>
-          <p:nvPr/>
-        </p:nvSpPr>
-        <p:spPr>
-          <a:xfrm>
-            <a:off x="1886143" y="7927714"/>
-            <a:ext cx="722587" cy="261610"/>
-          </a:xfrm>
-          <a:prstGeom prst="rect">
-            <a:avLst/>
-          </a:prstGeom>
-          <a:noFill/>
-        </p:spPr>
-        <p:txBody>
-          <a:bodyPr wrap="square" rtlCol="0">
-            <a:spAutoFit/>
-          </a:bodyPr>
-          <a:lstStyle/>
-          <a:p>
-            <a:r>
-              <a:rPr lang="en-NZ" sz="1100" dirty="0" smtClean="0"/>
-              <a:t>0°</a:t>
-            </a:r>
-            <a:endParaRPr lang="en-NZ" sz="1100" dirty="0"/>
-          </a:p>
-        </p:txBody>
-      </p:sp>
-      <p:sp>
-        <p:nvSpPr>
-          <p:cNvPr id="14" name="TextBox 13"/>
-          <p:cNvSpPr txBox="1"/>
-          <p:nvPr/>
-        </p:nvSpPr>
-        <p:spPr>
-          <a:xfrm>
-            <a:off x="4319164" y="7929415"/>
-            <a:ext cx="722587" cy="261610"/>
-          </a:xfrm>
-          <a:prstGeom prst="rect">
-            <a:avLst/>
-          </a:prstGeom>
-          <a:noFill/>
-        </p:spPr>
-        <p:txBody>
-          <a:bodyPr wrap="square" rtlCol="0">
-            <a:spAutoFit/>
-          </a:bodyPr>
-          <a:lstStyle/>
-          <a:p>
-            <a:r>
-              <a:rPr lang="en-NZ" sz="1100" dirty="0" smtClean="0"/>
-              <a:t>45°</a:t>
-            </a:r>
-            <a:endParaRPr lang="en-NZ" sz="1100" dirty="0"/>
-          </a:p>
-        </p:txBody>
-      </p:sp>
-      <p:sp>
-        <p:nvSpPr>
-          <p:cNvPr id="15" name="TextBox 14"/>
-          <p:cNvSpPr txBox="1"/>
-          <p:nvPr/>
-        </p:nvSpPr>
-        <p:spPr>
-          <a:xfrm>
-            <a:off x="830862" y="1926167"/>
-            <a:ext cx="1007783" cy="215444"/>
-          </a:xfrm>
-          <a:prstGeom prst="rect">
-            <a:avLst/>
-          </a:prstGeom>
-          <a:noFill/>
-        </p:spPr>
-        <p:txBody>
-          <a:bodyPr wrap="square" rtlCol="0">
-            <a:spAutoFit/>
-          </a:bodyPr>
-          <a:lstStyle/>
-          <a:p>
-            <a:r>
-              <a:rPr lang="en-NZ" sz="800" dirty="0" smtClean="0"/>
-              <a:t>(a)</a:t>
-            </a:r>
-            <a:endParaRPr lang="en-NZ" sz="800" dirty="0"/>
-          </a:p>
-        </p:txBody>
-      </p:sp>
-      <p:sp>
-        <p:nvSpPr>
-          <p:cNvPr id="16" name="TextBox 15"/>
-          <p:cNvSpPr txBox="1"/>
-          <p:nvPr/>
-        </p:nvSpPr>
-        <p:spPr>
-          <a:xfrm>
-            <a:off x="3599467" y="1944444"/>
-            <a:ext cx="1007783" cy="215444"/>
-          </a:xfrm>
-          <a:prstGeom prst="rect">
-            <a:avLst/>
-          </a:prstGeom>
-          <a:noFill/>
-        </p:spPr>
-        <p:txBody>
-          <a:bodyPr wrap="square" rtlCol="0">
-            <a:spAutoFit/>
-          </a:bodyPr>
-          <a:lstStyle/>
-          <a:p>
-            <a:r>
-              <a:rPr lang="en-NZ" sz="800" dirty="0" smtClean="0"/>
-              <a:t>(b)</a:t>
-            </a:r>
-            <a:endParaRPr lang="en-NZ" sz="800" dirty="0"/>
-          </a:p>
-        </p:txBody>
-      </p:sp>
-      <p:sp>
-        <p:nvSpPr>
-          <p:cNvPr id="17" name="TextBox 16"/>
-          <p:cNvSpPr txBox="1"/>
-          <p:nvPr/>
-        </p:nvSpPr>
-        <p:spPr>
-          <a:xfrm>
-            <a:off x="830862" y="3771903"/>
-            <a:ext cx="1007783" cy="215444"/>
-          </a:xfrm>
-          <a:prstGeom prst="rect">
-            <a:avLst/>
-          </a:prstGeom>
-          <a:noFill/>
-        </p:spPr>
-        <p:txBody>
-          <a:bodyPr wrap="square" rtlCol="0">
-            <a:spAutoFit/>
-          </a:bodyPr>
-          <a:lstStyle/>
-          <a:p>
-            <a:r>
-              <a:rPr lang="en-NZ" sz="800" dirty="0" smtClean="0"/>
-              <a:t>(c)</a:t>
-            </a:r>
-            <a:endParaRPr lang="en-NZ" sz="800" dirty="0"/>
-          </a:p>
-        </p:txBody>
-      </p:sp>
-      <p:sp>
-        <p:nvSpPr>
-          <p:cNvPr id="19" name="TextBox 18"/>
-          <p:cNvSpPr txBox="1"/>
-          <p:nvPr/>
-        </p:nvSpPr>
-        <p:spPr>
-          <a:xfrm>
-            <a:off x="3599467" y="3779148"/>
-            <a:ext cx="1007783" cy="215444"/>
-          </a:xfrm>
-          <a:prstGeom prst="rect">
-            <a:avLst/>
-          </a:prstGeom>
-          <a:noFill/>
-        </p:spPr>
-        <p:txBody>
-          <a:bodyPr wrap="square" rtlCol="0">
-            <a:spAutoFit/>
-          </a:bodyPr>
-          <a:lstStyle/>
-          <a:p>
-            <a:r>
-              <a:rPr lang="en-NZ" sz="800" dirty="0" smtClean="0"/>
-              <a:t>(d)</a:t>
-            </a:r>
-            <a:endParaRPr lang="en-NZ" sz="800" dirty="0"/>
-          </a:p>
-        </p:txBody>
-      </p:sp>
-      <p:sp>
-        <p:nvSpPr>
-          <p:cNvPr id="20" name="TextBox 19"/>
-          <p:cNvSpPr txBox="1"/>
-          <p:nvPr/>
-        </p:nvSpPr>
-        <p:spPr>
-          <a:xfrm>
-            <a:off x="830862" y="5640714"/>
-            <a:ext cx="1007783" cy="215444"/>
-          </a:xfrm>
-          <a:prstGeom prst="rect">
-            <a:avLst/>
-          </a:prstGeom>
-          <a:noFill/>
-        </p:spPr>
-        <p:txBody>
-          <a:bodyPr wrap="square" rtlCol="0">
-            <a:spAutoFit/>
-          </a:bodyPr>
-          <a:lstStyle/>
-          <a:p>
-            <a:r>
-              <a:rPr lang="en-NZ" sz="800" dirty="0" smtClean="0"/>
-              <a:t>(e)</a:t>
-            </a:r>
-            <a:endParaRPr lang="en-NZ" sz="800" dirty="0"/>
-          </a:p>
-        </p:txBody>
-      </p:sp>
-      <p:sp>
-        <p:nvSpPr>
-          <p:cNvPr id="21" name="TextBox 20"/>
-          <p:cNvSpPr txBox="1"/>
-          <p:nvPr/>
-        </p:nvSpPr>
-        <p:spPr>
-          <a:xfrm>
-            <a:off x="3599467" y="5637584"/>
-            <a:ext cx="1007783" cy="215444"/>
-          </a:xfrm>
-          <a:prstGeom prst="rect">
-            <a:avLst/>
-          </a:prstGeom>
-          <a:noFill/>
-        </p:spPr>
-        <p:txBody>
-          <a:bodyPr wrap="square" rtlCol="0">
-            <a:spAutoFit/>
-          </a:bodyPr>
-          <a:lstStyle/>
-          <a:p>
-            <a:r>
-              <a:rPr lang="en-NZ" sz="800" dirty="0" smtClean="0"/>
-              <a:t>(f)</a:t>
-            </a:r>
-            <a:endParaRPr lang="en-NZ" sz="800" dirty="0"/>
-          </a:p>
-        </p:txBody>
-      </p:sp>
     </p:spTree>
     <p:extLst>
       <p:ext uri="{BB962C8B-B14F-4D97-AF65-F5344CB8AC3E}">
-        <p14:creationId xmlns:p14="http://schemas.microsoft.com/office/powerpoint/2010/main" val="2625322390"/>
+        <p14:creationId xmlns:p14="http://schemas.microsoft.com/office/powerpoint/2010/main" val="1234050482"/>
       </p:ext>
     </p:extLst>
   </p:cSld>
   <p:clrMapOvr>
     <a:masterClrMapping/>
   </p:clrMapOvr>
-  <p:timing>
-    <p:tnLst>
-      <p:par>
-        <p:cTn id="1" dur="indefinite" restart="never" nodeType="tmRoot"/>
-      </p:par>
-    </p:tnLst>
-  </p:timing>
 </p:sld>
 </file>
 
 <file path=ppt/theme/theme1.xml><?xml version="1.0" encoding="utf-8"?>
 <a:theme xmlns:a="http://schemas.openxmlformats.org/drawingml/2006/main" name="Office Theme">
   <a:themeElements>
-    <a:clrScheme name="Office">
+    <a:clrScheme name="Office Theme">
       <a:dk1>
         <a:sysClr val="windowText" lastClr="000000"/>
       </a:dk1>
@@ -3520,7 +3221,7 @@
         <a:srgbClr val="E7E6E6"/>
       </a:lt2>
       <a:accent1>
-        <a:srgbClr val="5B9BD5"/>
+        <a:srgbClr val="4472C4"/>
       </a:accent1>
       <a:accent2>
         <a:srgbClr val="ED7D31"/>
@@ -3532,7 +3233,7 @@
         <a:srgbClr val="FFC000"/>
       </a:accent4>
       <a:accent5>
-        <a:srgbClr val="4472C4"/>
+        <a:srgbClr val="5B9BD5"/>
       </a:accent5>
       <a:accent6>
         <a:srgbClr val="70AD47"/>
@@ -3544,18 +3245,53 @@
         <a:srgbClr val="954F72"/>
       </a:folHlink>
     </a:clrScheme>
-    <a:fontScheme name="Consolas-Verdana">
+    <a:fontScheme name="Office Theme">
       <a:majorFont>
-        <a:latin typeface="Consolas" panose="020B0609020204030204"/>
+        <a:latin typeface="Calibri Light" panose="020F0302020204030204"/>
         <a:ea typeface=""/>
         <a:cs typeface=""/>
-        <a:font script="Jpan" typeface="HG丸ｺﾞｼｯｸM-PRO"/>
-        <a:font script="Hang" typeface="HY중고딕"/>
-        <a:font script="Hans" typeface="华文楷体"/>
+        <a:font script="Jpan" typeface="游ゴシック Light"/>
+        <a:font script="Hang" typeface="맑은 고딕"/>
+        <a:font script="Hans" typeface="等线 Light"/>
         <a:font script="Hant" typeface="新細明體"/>
-        <a:font script="Arab" typeface="Tahoma"/>
-        <a:font script="Hebr" typeface="Levenim MT"/>
-        <a:font script="Thai" typeface="DilleniaUPC"/>
+        <a:font script="Arab" typeface="Times New Roman"/>
+        <a:font script="Hebr" typeface="Times New Roman"/>
+        <a:font script="Thai" typeface="Angsana New"/>
+        <a:font script="Ethi" typeface="Nyala"/>
+        <a:font script="Beng" typeface="Vrinda"/>
+        <a:font script="Gujr" typeface="Shruti"/>
+        <a:font script="Khmr" typeface="MoolBoran"/>
+        <a:font script="Knda" typeface="Tunga"/>
+        <a:font script="Guru" typeface="Raavi"/>
+        <a:font script="Cans" typeface="Euphemia"/>
+        <a:font script="Cher" typeface="Plantagenet Cherokee"/>
+        <a:font script="Yiii" typeface="Microsoft Yi Baiti"/>
+        <a:font script="Tibt" typeface="Microsoft Himalaya"/>
+        <a:font script="Thaa" typeface="MV Boli"/>
+        <a:font script="Deva" typeface="Mangal"/>
+        <a:font script="Telu" typeface="Gautami"/>
+        <a:font script="Taml" typeface="Latha"/>
+        <a:font script="Syrc" typeface="Estrangelo Edessa"/>
+        <a:font script="Orya" typeface="Kalinga"/>
+        <a:font script="Mlym" typeface="Kartika"/>
+        <a:font script="Laoo" typeface="DokChampa"/>
+        <a:font script="Sinh" typeface="Iskoola Pota"/>
+        <a:font script="Mong" typeface="Mongolian Baiti"/>
+        <a:font script="Viet" typeface="Times New Roman"/>
+        <a:font script="Uigh" typeface="Microsoft Uighur"/>
+        <a:font script="Geor" typeface="Sylfaen"/>
+      </a:majorFont>
+      <a:minorFont>
+        <a:latin typeface="Calibri" panose="020F0502020204030204"/>
+        <a:ea typeface=""/>
+        <a:cs typeface=""/>
+        <a:font script="Jpan" typeface="游ゴシック"/>
+        <a:font script="Hang" typeface="맑은 고딕"/>
+        <a:font script="Hans" typeface="等线"/>
+        <a:font script="Hant" typeface="新細明體"/>
+        <a:font script="Arab" typeface="Arial"/>
+        <a:font script="Hebr" typeface="Arial"/>
+        <a:font script="Thai" typeface="Cordia New"/>
         <a:font script="Ethi" typeface="Nyala"/>
         <a:font script="Beng" typeface="Vrinda"/>
         <a:font script="Gujr" typeface="Shruti"/>
@@ -3576,47 +3312,12 @@
         <a:font script="Laoo" typeface="DokChampa"/>
         <a:font script="Sinh" typeface="Iskoola Pota"/>
         <a:font script="Mong" typeface="Mongolian Baiti"/>
-        <a:font script="Viet" typeface="Tahoma"/>
-        <a:font script="Uigh" typeface="Microsoft Uighur"/>
-        <a:font script="Geor" typeface="Sylfaen"/>
-      </a:majorFont>
-      <a:minorFont>
-        <a:latin typeface="Verdana" panose="020B0604030504040204"/>
-        <a:ea typeface=""/>
-        <a:cs typeface=""/>
-        <a:font script="Jpan" typeface="ＭＳ ゴシック"/>
-        <a:font script="Hang" typeface="굴림"/>
-        <a:font script="Hans" typeface="微软雅黑"/>
-        <a:font script="Hant" typeface="微軟正黑體"/>
-        <a:font script="Arab" typeface="Tahoma"/>
-        <a:font script="Hebr" typeface="Tahoma"/>
-        <a:font script="Thai" typeface="FreesiaUPC"/>
-        <a:font script="Ethi" typeface="Nyala"/>
-        <a:font script="Beng" typeface="Vrinda"/>
-        <a:font script="Gujr" typeface="Shruti"/>
-        <a:font script="Khmr" typeface="DaunPenh"/>
-        <a:font script="Knda" typeface="Tunga"/>
-        <a:font script="Guru" typeface="Raavi"/>
-        <a:font script="Cans" typeface="Euphemia"/>
-        <a:font script="Cher" typeface="Plantagenet Cherokee"/>
-        <a:font script="Yiii" typeface="Microsoft Yi Baiti"/>
-        <a:font script="Tibt" typeface="Microsoft Himalaya"/>
-        <a:font script="Thaa" typeface="MV Boli"/>
-        <a:font script="Deva" typeface="Mangal"/>
-        <a:font script="Telu" typeface="Gautami"/>
-        <a:font script="Taml" typeface="Latha"/>
-        <a:font script="Syrc" typeface="Estrangelo Edessa"/>
-        <a:font script="Orya" typeface="Kalinga"/>
-        <a:font script="Mlym" typeface="Kartika"/>
-        <a:font script="Laoo" typeface="DokChampa"/>
-        <a:font script="Sinh" typeface="Iskoola Pota"/>
-        <a:font script="Mong" typeface="Mongolian Baiti"/>
-        <a:font script="Viet" typeface="Verdana"/>
+        <a:font script="Viet" typeface="Arial"/>
         <a:font script="Uigh" typeface="Microsoft Uighur"/>
         <a:font script="Geor" typeface="Sylfaen"/>
       </a:minorFont>
     </a:fontScheme>
-    <a:fmtScheme name="Office">
+    <a:fmtScheme name="Office Theme">
       <a:fillStyleLst>
         <a:solidFill>
           <a:schemeClr val="phClr"/>
@@ -3758,7 +3459,7 @@
   <a:extraClrSchemeLst/>
   <a:extLst>
     <a:ext uri="{05A4C25C-085E-4340-85A3-A5531E510DB2}">
-      <thm15:themeFamily xmlns:thm15="http://schemas.microsoft.com/office/thememl/2012/main" name="Presentation1" id="{38E3E123-A269-4C2C-B83D-CCF8CE8D6D2D}" vid="{616D8776-4612-40CB-A629-823BC9E38832}"/>
+      <thm15:themeFamily xmlns:thm15="http://schemas.microsoft.com/office/thememl/2012/main" name="Office Theme" id="{62F939B6-93AF-4DB8-9C6B-D6C7DFDC589F}" vid="{4A3C46E8-61CC-4603-A589-7422A47A8E4A}"/>
     </a:ext>
   </a:extLst>
 </a:theme>
